--- a/!Document/개발자료/Design/UI.pptx
+++ b/!Document/개발자료/Design/UI.pptx
@@ -246,7 +246,7 @@
           <a:p>
             <a:fld id="{A7952D43-EE1A-4612-8D08-436DC12AF464}" type="datetimeFigureOut">
               <a:rPr lang="ko-KR" altLang="en-US" smtClean="0"/>
-              <a:t>2016-07-23</a:t>
+              <a:t>2016-07-24</a:t>
             </a:fld>
             <a:endParaRPr lang="ko-KR" altLang="en-US"/>
           </a:p>
@@ -414,7 +414,7 @@
           <a:p>
             <a:fld id="{A7952D43-EE1A-4612-8D08-436DC12AF464}" type="datetimeFigureOut">
               <a:rPr lang="ko-KR" altLang="en-US" smtClean="0"/>
-              <a:t>2016-07-23</a:t>
+              <a:t>2016-07-24</a:t>
             </a:fld>
             <a:endParaRPr lang="ko-KR" altLang="en-US"/>
           </a:p>
@@ -592,7 +592,7 @@
           <a:p>
             <a:fld id="{A7952D43-EE1A-4612-8D08-436DC12AF464}" type="datetimeFigureOut">
               <a:rPr lang="ko-KR" altLang="en-US" smtClean="0"/>
-              <a:t>2016-07-23</a:t>
+              <a:t>2016-07-24</a:t>
             </a:fld>
             <a:endParaRPr lang="ko-KR" altLang="en-US"/>
           </a:p>
@@ -760,7 +760,7 @@
           <a:p>
             <a:fld id="{A7952D43-EE1A-4612-8D08-436DC12AF464}" type="datetimeFigureOut">
               <a:rPr lang="ko-KR" altLang="en-US" smtClean="0"/>
-              <a:t>2016-07-23</a:t>
+              <a:t>2016-07-24</a:t>
             </a:fld>
             <a:endParaRPr lang="ko-KR" altLang="en-US"/>
           </a:p>
@@ -1005,7 +1005,7 @@
           <a:p>
             <a:fld id="{A7952D43-EE1A-4612-8D08-436DC12AF464}" type="datetimeFigureOut">
               <a:rPr lang="ko-KR" altLang="en-US" smtClean="0"/>
-              <a:t>2016-07-23</a:t>
+              <a:t>2016-07-24</a:t>
             </a:fld>
             <a:endParaRPr lang="ko-KR" altLang="en-US"/>
           </a:p>
@@ -1234,7 +1234,7 @@
           <a:p>
             <a:fld id="{A7952D43-EE1A-4612-8D08-436DC12AF464}" type="datetimeFigureOut">
               <a:rPr lang="ko-KR" altLang="en-US" smtClean="0"/>
-              <a:t>2016-07-23</a:t>
+              <a:t>2016-07-24</a:t>
             </a:fld>
             <a:endParaRPr lang="ko-KR" altLang="en-US"/>
           </a:p>
@@ -1598,7 +1598,7 @@
           <a:p>
             <a:fld id="{A7952D43-EE1A-4612-8D08-436DC12AF464}" type="datetimeFigureOut">
               <a:rPr lang="ko-KR" altLang="en-US" smtClean="0"/>
-              <a:t>2016-07-23</a:t>
+              <a:t>2016-07-24</a:t>
             </a:fld>
             <a:endParaRPr lang="ko-KR" altLang="en-US"/>
           </a:p>
@@ -1715,7 +1715,7 @@
           <a:p>
             <a:fld id="{A7952D43-EE1A-4612-8D08-436DC12AF464}" type="datetimeFigureOut">
               <a:rPr lang="ko-KR" altLang="en-US" smtClean="0"/>
-              <a:t>2016-07-23</a:t>
+              <a:t>2016-07-24</a:t>
             </a:fld>
             <a:endParaRPr lang="ko-KR" altLang="en-US"/>
           </a:p>
@@ -1810,7 +1810,7 @@
           <a:p>
             <a:fld id="{A7952D43-EE1A-4612-8D08-436DC12AF464}" type="datetimeFigureOut">
               <a:rPr lang="ko-KR" altLang="en-US" smtClean="0"/>
-              <a:t>2016-07-23</a:t>
+              <a:t>2016-07-24</a:t>
             </a:fld>
             <a:endParaRPr lang="ko-KR" altLang="en-US"/>
           </a:p>
@@ -2085,7 +2085,7 @@
           <a:p>
             <a:fld id="{A7952D43-EE1A-4612-8D08-436DC12AF464}" type="datetimeFigureOut">
               <a:rPr lang="ko-KR" altLang="en-US" smtClean="0"/>
-              <a:t>2016-07-23</a:t>
+              <a:t>2016-07-24</a:t>
             </a:fld>
             <a:endParaRPr lang="ko-KR" altLang="en-US"/>
           </a:p>
@@ -2337,7 +2337,7 @@
           <a:p>
             <a:fld id="{A7952D43-EE1A-4612-8D08-436DC12AF464}" type="datetimeFigureOut">
               <a:rPr lang="ko-KR" altLang="en-US" smtClean="0"/>
-              <a:t>2016-07-23</a:t>
+              <a:t>2016-07-24</a:t>
             </a:fld>
             <a:endParaRPr lang="ko-KR" altLang="en-US"/>
           </a:p>
@@ -2548,7 +2548,7 @@
           <a:p>
             <a:fld id="{A7952D43-EE1A-4612-8D08-436DC12AF464}" type="datetimeFigureOut">
               <a:rPr lang="ko-KR" altLang="en-US" smtClean="0"/>
-              <a:t>2016-07-23</a:t>
+              <a:t>2016-07-24</a:t>
             </a:fld>
             <a:endParaRPr lang="ko-KR" altLang="en-US"/>
           </a:p>

--- a/!Document/개발자료/Design/UI.pptx
+++ b/!Document/개발자료/Design/UI.pptx
@@ -11,6 +11,9 @@
     <p:sldId id="259" r:id="rId5"/>
     <p:sldId id="260" r:id="rId6"/>
     <p:sldId id="262" r:id="rId7"/>
+    <p:sldId id="263" r:id="rId8"/>
+    <p:sldId id="265" r:id="rId9"/>
+    <p:sldId id="264" r:id="rId10"/>
   </p:sldIdLst>
   <p:sldSz cx="12192000" cy="6858000"/>
   <p:notesSz cx="6858000" cy="9144000"/>
@@ -4395,10 +4398,9 @@
                 <a:p>
                   <a:pPr algn="ctr"/>
                   <a:r>
-                    <a:rPr lang="ko-KR" altLang="en-US" sz="1000" dirty="0" smtClean="0"/>
+                    <a:rPr lang="ko-KR" altLang="en-US" sz="1000" dirty="0"/>
                     <a:t>더 보기</a:t>
                   </a:r>
-                  <a:endParaRPr lang="ko-KR" altLang="en-US" sz="1000" dirty="0"/>
                 </a:p>
               </p:txBody>
             </p:sp>
@@ -10450,18 +10452,13 @@
           <a:p>
             <a:pPr algn="ctr"/>
             <a:r>
-              <a:rPr lang="ko-KR" altLang="en-US" b="1" dirty="0" smtClean="0">
+              <a:rPr lang="ko-KR" altLang="en-US" b="1" dirty="0">
                 <a:solidFill>
                   <a:schemeClr val="bg1"/>
                 </a:solidFill>
               </a:rPr>
               <a:t>예상 평점</a:t>
             </a:r>
-            <a:endParaRPr lang="ko-KR" altLang="en-US" b="1" dirty="0">
-              <a:solidFill>
-                <a:schemeClr val="bg1"/>
-              </a:solidFill>
-            </a:endParaRPr>
           </a:p>
         </p:txBody>
       </p:sp>
@@ -10744,7 +10741,7 @@
           <a:p>
             <a:pPr algn="ctr"/>
             <a:r>
-              <a:rPr lang="en-US" altLang="ko-KR" sz="2000" dirty="0" smtClean="0"/>
+              <a:rPr lang="en-US" altLang="ko-KR" sz="2000" dirty="0"/>
               <a:t>x</a:t>
             </a:r>
             <a:endParaRPr lang="ko-KR" altLang="en-US" sz="2000" dirty="0"/>
@@ -10777,18 +10774,13 @@
           <a:p>
             <a:pPr algn="ctr"/>
             <a:r>
-              <a:rPr lang="ko-KR" altLang="en-US" b="1" dirty="0" smtClean="0">
+              <a:rPr lang="ko-KR" altLang="en-US" b="1" dirty="0">
                 <a:solidFill>
                   <a:schemeClr val="bg1"/>
                 </a:solidFill>
               </a:rPr>
               <a:t>전체 평점</a:t>
             </a:r>
-            <a:endParaRPr lang="ko-KR" altLang="en-US" b="1" dirty="0">
-              <a:solidFill>
-                <a:schemeClr val="bg1"/>
-              </a:solidFill>
-            </a:endParaRPr>
           </a:p>
         </p:txBody>
       </p:sp>
@@ -10843,10 +10835,9 @@
             <a:p>
               <a:pPr algn="ctr"/>
               <a:r>
-                <a:rPr lang="ko-KR" altLang="en-US" sz="2000" dirty="0" smtClean="0"/>
+                <a:rPr lang="ko-KR" altLang="en-US" sz="2000" dirty="0"/>
                 <a:t>슈팅</a:t>
               </a:r>
-              <a:endParaRPr lang="ko-KR" altLang="en-US" sz="2000" dirty="0"/>
             </a:p>
           </p:txBody>
         </p:sp>
@@ -10887,10 +10878,9 @@
             <a:p>
               <a:pPr algn="ctr"/>
               <a:r>
-                <a:rPr lang="ko-KR" altLang="en-US" sz="2000" dirty="0" smtClean="0"/>
+                <a:rPr lang="ko-KR" altLang="en-US" sz="2000" dirty="0"/>
                 <a:t>레이싱</a:t>
               </a:r>
-              <a:endParaRPr lang="ko-KR" altLang="en-US" sz="2000" dirty="0"/>
             </a:p>
           </p:txBody>
         </p:sp>
@@ -10931,7 +10921,7 @@
             <a:p>
               <a:pPr algn="ctr"/>
               <a:r>
-                <a:rPr lang="ko-KR" altLang="en-US" sz="2000" dirty="0" err="1" smtClean="0"/>
+                <a:rPr lang="ko-KR" altLang="en-US" sz="2000" dirty="0" err="1"/>
                 <a:t>샌드박스</a:t>
               </a:r>
               <a:endParaRPr lang="ko-KR" altLang="en-US" sz="2000" dirty="0"/>
@@ -11018,10 +11008,9 @@
             <a:p>
               <a:pPr algn="ctr"/>
               <a:r>
-                <a:rPr lang="ko-KR" altLang="en-US" sz="2000" dirty="0" smtClean="0"/>
+                <a:rPr lang="ko-KR" altLang="en-US" sz="2000" dirty="0"/>
                 <a:t>액션</a:t>
               </a:r>
-              <a:endParaRPr lang="ko-KR" altLang="en-US" sz="2000" dirty="0"/>
             </a:p>
           </p:txBody>
         </p:sp>
@@ -11109,10 +11098,9 @@
             <a:p>
               <a:pPr algn="ctr"/>
               <a:r>
-                <a:rPr lang="ko-KR" altLang="en-US" sz="2000" dirty="0" smtClean="0"/>
+                <a:rPr lang="ko-KR" altLang="en-US" sz="2000" dirty="0"/>
                 <a:t>범죄</a:t>
               </a:r>
-              <a:endParaRPr lang="ko-KR" altLang="en-US" sz="2000" dirty="0"/>
             </a:p>
           </p:txBody>
         </p:sp>
@@ -11153,7 +11141,7 @@
             <a:p>
               <a:pPr algn="ctr"/>
               <a:r>
-                <a:rPr lang="en-US" altLang="ko-KR" sz="2000" dirty="0" smtClean="0"/>
+                <a:rPr lang="en-US" altLang="ko-KR" sz="2000" dirty="0"/>
                 <a:t>TPS</a:t>
               </a:r>
               <a:endParaRPr lang="ko-KR" altLang="en-US" sz="2000" dirty="0"/>
@@ -15093,6 +15081,102 @@
           </a:p>
         </p:txBody>
       </p:sp>
+      <p:sp>
+        <p:nvSpPr>
+          <p:cNvPr id="11" name="직사각형 10"/>
+          <p:cNvSpPr/>
+          <p:nvPr/>
+        </p:nvSpPr>
+        <p:spPr>
+          <a:xfrm>
+            <a:off x="9671539" y="571499"/>
+            <a:ext cx="2114062" cy="553998"/>
+          </a:xfrm>
+          <a:prstGeom prst="rect">
+            <a:avLst/>
+          </a:prstGeom>
+          <a:solidFill>
+            <a:schemeClr val="accent1">
+              <a:lumMod val="75000"/>
+            </a:schemeClr>
+          </a:solidFill>
+        </p:spPr>
+        <p:style>
+          <a:lnRef idx="2">
+            <a:schemeClr val="accent1">
+              <a:shade val="50000"/>
+            </a:schemeClr>
+          </a:lnRef>
+          <a:fillRef idx="1">
+            <a:schemeClr val="accent1"/>
+          </a:fillRef>
+          <a:effectRef idx="0">
+            <a:schemeClr val="accent1"/>
+          </a:effectRef>
+          <a:fontRef idx="minor">
+            <a:schemeClr val="lt1"/>
+          </a:fontRef>
+        </p:style>
+        <p:txBody>
+          <a:bodyPr rtlCol="0" anchor="ctr"/>
+          <a:lstStyle/>
+          <a:p>
+            <a:pPr algn="ctr"/>
+            <a:r>
+              <a:rPr lang="ko-KR" altLang="en-US" b="1" dirty="0"/>
+              <a:t>내가 평가한 게임</a:t>
+            </a:r>
+          </a:p>
+        </p:txBody>
+      </p:sp>
+      <p:sp>
+        <p:nvSpPr>
+          <p:cNvPr id="107" name="직사각형 106"/>
+          <p:cNvSpPr/>
+          <p:nvPr/>
+        </p:nvSpPr>
+        <p:spPr>
+          <a:xfrm>
+            <a:off x="9671539" y="1125497"/>
+            <a:ext cx="2106971" cy="553998"/>
+          </a:xfrm>
+          <a:prstGeom prst="rect">
+            <a:avLst/>
+          </a:prstGeom>
+          <a:solidFill>
+            <a:schemeClr val="bg1">
+              <a:lumMod val="75000"/>
+            </a:schemeClr>
+          </a:solidFill>
+        </p:spPr>
+        <p:style>
+          <a:lnRef idx="2">
+            <a:schemeClr val="accent1">
+              <a:shade val="50000"/>
+            </a:schemeClr>
+          </a:lnRef>
+          <a:fillRef idx="1">
+            <a:schemeClr val="accent1"/>
+          </a:fillRef>
+          <a:effectRef idx="0">
+            <a:schemeClr val="accent1"/>
+          </a:effectRef>
+          <a:fontRef idx="minor">
+            <a:schemeClr val="lt1"/>
+          </a:fontRef>
+        </p:style>
+        <p:txBody>
+          <a:bodyPr rtlCol="0" anchor="ctr"/>
+          <a:lstStyle/>
+          <a:p>
+            <a:pPr algn="ctr"/>
+            <a:r>
+              <a:rPr lang="ko-KR" altLang="en-US" dirty="0"/>
+              <a:t>회원정보 수정</a:t>
+            </a:r>
+          </a:p>
+        </p:txBody>
+      </p:sp>
     </p:spTree>
     <p:extLst>
       <p:ext uri="{BB962C8B-B14F-4D97-AF65-F5344CB8AC3E}">
@@ -15910,18 +15994,13 @@
           <a:p>
             <a:pPr algn="ctr"/>
             <a:r>
-              <a:rPr lang="ko-KR" altLang="en-US" b="1" dirty="0" smtClean="0">
+              <a:rPr lang="ko-KR" altLang="en-US" b="1" dirty="0">
                 <a:solidFill>
                   <a:schemeClr val="bg1"/>
                 </a:solidFill>
               </a:rPr>
               <a:t>내 평점</a:t>
             </a:r>
-            <a:endParaRPr lang="ko-KR" altLang="en-US" b="1" dirty="0">
-              <a:solidFill>
-                <a:schemeClr val="bg1"/>
-              </a:solidFill>
-            </a:endParaRPr>
           </a:p>
         </p:txBody>
       </p:sp>
@@ -16204,7 +16283,7 @@
           <a:p>
             <a:pPr algn="ctr"/>
             <a:r>
-              <a:rPr lang="en-US" altLang="ko-KR" sz="2000" dirty="0" smtClean="0"/>
+              <a:rPr lang="en-US" altLang="ko-KR" sz="2000" dirty="0"/>
               <a:t>x</a:t>
             </a:r>
             <a:endParaRPr lang="ko-KR" altLang="en-US" sz="2000" dirty="0"/>
@@ -16237,18 +16316,13 @@
           <a:p>
             <a:pPr algn="ctr"/>
             <a:r>
-              <a:rPr lang="ko-KR" altLang="en-US" b="1" dirty="0" smtClean="0">
+              <a:rPr lang="ko-KR" altLang="en-US" b="1" dirty="0">
                 <a:solidFill>
                   <a:schemeClr val="bg1"/>
                 </a:solidFill>
               </a:rPr>
               <a:t>전체 평점</a:t>
             </a:r>
-            <a:endParaRPr lang="ko-KR" altLang="en-US" b="1" dirty="0">
-              <a:solidFill>
-                <a:schemeClr val="bg1"/>
-              </a:solidFill>
-            </a:endParaRPr>
           </a:p>
         </p:txBody>
       </p:sp>
@@ -16346,10 +16420,9 @@
             <a:p>
               <a:pPr algn="ctr"/>
               <a:r>
-                <a:rPr lang="ko-KR" altLang="en-US" sz="2000" b="1" dirty="0" smtClean="0"/>
+                <a:rPr lang="ko-KR" altLang="en-US" sz="2000" b="1" dirty="0"/>
                 <a:t>액션</a:t>
               </a:r>
-              <a:endParaRPr lang="ko-KR" altLang="en-US" sz="2000" b="1" dirty="0"/>
             </a:p>
           </p:txBody>
         </p:sp>
@@ -16437,10 +16510,9 @@
             <a:p>
               <a:pPr algn="ctr"/>
               <a:r>
-                <a:rPr lang="ko-KR" altLang="en-US" sz="2000" b="1" dirty="0" smtClean="0"/>
+                <a:rPr lang="ko-KR" altLang="en-US" sz="2000" b="1" dirty="0"/>
                 <a:t>범죄</a:t>
               </a:r>
-              <a:endParaRPr lang="ko-KR" altLang="en-US" sz="2000" b="1" dirty="0"/>
             </a:p>
           </p:txBody>
         </p:sp>
@@ -16481,7 +16553,7 @@
             <a:p>
               <a:pPr algn="ctr"/>
               <a:r>
-                <a:rPr lang="en-US" altLang="ko-KR" sz="2000" b="1" dirty="0" smtClean="0"/>
+                <a:rPr lang="en-US" altLang="ko-KR" sz="2000" b="1" dirty="0"/>
                 <a:t>TPS</a:t>
               </a:r>
               <a:endParaRPr lang="ko-KR" altLang="en-US" sz="2000" b="1" dirty="0"/>
@@ -16525,10 +16597,9 @@
             <a:p>
               <a:pPr algn="ctr"/>
               <a:r>
-                <a:rPr lang="ko-KR" altLang="en-US" sz="2000" b="1" dirty="0" smtClean="0"/>
+                <a:rPr lang="ko-KR" altLang="en-US" sz="2000" b="1" dirty="0"/>
                 <a:t>슈팅</a:t>
               </a:r>
-              <a:endParaRPr lang="ko-KR" altLang="en-US" sz="2000" b="1" dirty="0"/>
             </a:p>
           </p:txBody>
         </p:sp>
@@ -16662,10 +16733,9 @@
           <a:lstStyle/>
           <a:p>
             <a:r>
-              <a:rPr lang="ko-KR" altLang="en-US" sz="2000" i="1" dirty="0" smtClean="0"/>
+              <a:rPr lang="ko-KR" altLang="en-US" sz="2000" i="1" dirty="0"/>
               <a:t>태그 추가</a:t>
             </a:r>
-            <a:endParaRPr lang="ko-KR" altLang="en-US" sz="2000" i="1" dirty="0"/>
           </a:p>
         </p:txBody>
       </p:sp>
@@ -16709,10 +16779,9 @@
           <a:p>
             <a:pPr algn="ctr"/>
             <a:r>
-              <a:rPr lang="ko-KR" altLang="en-US" b="1" dirty="0" smtClean="0"/>
+              <a:rPr lang="ko-KR" altLang="en-US" b="1" dirty="0"/>
               <a:t>등록</a:t>
             </a:r>
-            <a:endParaRPr lang="ko-KR" altLang="en-US" b="1" dirty="0"/>
           </a:p>
         </p:txBody>
       </p:sp>
@@ -16720,6 +16789,2834 @@
     <p:extLst>
       <p:ext uri="{BB962C8B-B14F-4D97-AF65-F5344CB8AC3E}">
         <p14:creationId xmlns:p14="http://schemas.microsoft.com/office/powerpoint/2010/main" val="2002299406"/>
+      </p:ext>
+    </p:extLst>
+  </p:cSld>
+  <p:clrMapOvr>
+    <a:masterClrMapping/>
+  </p:clrMapOvr>
+</p:sld>
+</file>
+
+<file path=ppt/slides/slide7.xml><?xml version="1.0" encoding="utf-8"?>
+<p:sld xmlns:a="http://schemas.openxmlformats.org/drawingml/2006/main" xmlns:r="http://schemas.openxmlformats.org/officeDocument/2006/relationships" xmlns:p="http://schemas.openxmlformats.org/presentationml/2006/main">
+  <p:cSld>
+    <p:spTree>
+      <p:nvGrpSpPr>
+        <p:cNvPr id="1" name=""/>
+        <p:cNvGrpSpPr/>
+        <p:nvPr/>
+      </p:nvGrpSpPr>
+      <p:grpSpPr>
+        <a:xfrm>
+          <a:off x="0" y="0"/>
+          <a:ext cx="0" cy="0"/>
+          <a:chOff x="0" y="0"/>
+          <a:chExt cx="0" cy="0"/>
+        </a:xfrm>
+      </p:grpSpPr>
+      <p:sp>
+        <p:nvSpPr>
+          <p:cNvPr id="13" name="직사각형 12"/>
+          <p:cNvSpPr/>
+          <p:nvPr/>
+        </p:nvSpPr>
+        <p:spPr>
+          <a:xfrm>
+            <a:off x="0" y="-20981"/>
+            <a:ext cx="12192000" cy="6858000"/>
+          </a:xfrm>
+          <a:prstGeom prst="rect">
+            <a:avLst/>
+          </a:prstGeom>
+          <a:solidFill>
+            <a:srgbClr val="182D42"/>
+          </a:solidFill>
+          <a:ln>
+            <a:noFill/>
+          </a:ln>
+        </p:spPr>
+        <p:style>
+          <a:lnRef idx="2">
+            <a:schemeClr val="accent1">
+              <a:shade val="50000"/>
+            </a:schemeClr>
+          </a:lnRef>
+          <a:fillRef idx="1">
+            <a:schemeClr val="accent1"/>
+          </a:fillRef>
+          <a:effectRef idx="0">
+            <a:schemeClr val="accent1"/>
+          </a:effectRef>
+          <a:fontRef idx="minor">
+            <a:schemeClr val="lt1"/>
+          </a:fontRef>
+        </p:style>
+        <p:txBody>
+          <a:bodyPr rtlCol="0" anchor="ctr"/>
+          <a:lstStyle/>
+          <a:p>
+            <a:pPr algn="ctr"/>
+            <a:endParaRPr lang="ko-KR" altLang="en-US"/>
+          </a:p>
+        </p:txBody>
+      </p:sp>
+      <p:sp>
+        <p:nvSpPr>
+          <p:cNvPr id="2" name="직사각형 1"/>
+          <p:cNvSpPr/>
+          <p:nvPr/>
+        </p:nvSpPr>
+        <p:spPr>
+          <a:xfrm>
+            <a:off x="2324677" y="512206"/>
+            <a:ext cx="5757439" cy="6324813"/>
+          </a:xfrm>
+          <a:prstGeom prst="rect">
+            <a:avLst/>
+          </a:prstGeom>
+          <a:solidFill>
+            <a:srgbClr val="132536"/>
+          </a:solidFill>
+          <a:ln>
+            <a:noFill/>
+          </a:ln>
+        </p:spPr>
+        <p:style>
+          <a:lnRef idx="2">
+            <a:schemeClr val="accent1">
+              <a:shade val="50000"/>
+            </a:schemeClr>
+          </a:lnRef>
+          <a:fillRef idx="1">
+            <a:schemeClr val="accent1"/>
+          </a:fillRef>
+          <a:effectRef idx="0">
+            <a:schemeClr val="accent1"/>
+          </a:effectRef>
+          <a:fontRef idx="minor">
+            <a:schemeClr val="lt1"/>
+          </a:fontRef>
+        </p:style>
+        <p:txBody>
+          <a:bodyPr rtlCol="0" anchor="ctr"/>
+          <a:lstStyle/>
+          <a:p>
+            <a:pPr algn="ctr"/>
+            <a:endParaRPr lang="ko-KR" altLang="en-US"/>
+          </a:p>
+        </p:txBody>
+      </p:sp>
+      <p:sp>
+        <p:nvSpPr>
+          <p:cNvPr id="6" name="직사각형 5"/>
+          <p:cNvSpPr/>
+          <p:nvPr/>
+        </p:nvSpPr>
+        <p:spPr>
+          <a:xfrm>
+            <a:off x="0" y="0"/>
+            <a:ext cx="12192000" cy="571499"/>
+          </a:xfrm>
+          <a:prstGeom prst="rect">
+            <a:avLst/>
+          </a:prstGeom>
+          <a:solidFill>
+            <a:srgbClr val="171A21"/>
+          </a:solidFill>
+          <a:ln>
+            <a:noFill/>
+          </a:ln>
+        </p:spPr>
+        <p:style>
+          <a:lnRef idx="2">
+            <a:schemeClr val="accent1">
+              <a:shade val="50000"/>
+            </a:schemeClr>
+          </a:lnRef>
+          <a:fillRef idx="1">
+            <a:schemeClr val="accent1"/>
+          </a:fillRef>
+          <a:effectRef idx="0">
+            <a:schemeClr val="accent1"/>
+          </a:effectRef>
+          <a:fontRef idx="minor">
+            <a:schemeClr val="lt1"/>
+          </a:fontRef>
+        </p:style>
+        <p:txBody>
+          <a:bodyPr rtlCol="0" anchor="ctr"/>
+          <a:lstStyle/>
+          <a:p>
+            <a:pPr algn="ctr"/>
+            <a:endParaRPr lang="ko-KR" altLang="en-US"/>
+          </a:p>
+        </p:txBody>
+      </p:sp>
+      <p:sp>
+        <p:nvSpPr>
+          <p:cNvPr id="7" name="TextBox 6"/>
+          <p:cNvSpPr txBox="1"/>
+          <p:nvPr/>
+        </p:nvSpPr>
+        <p:spPr>
+          <a:xfrm>
+            <a:off x="95250" y="71437"/>
+            <a:ext cx="4219575" cy="369332"/>
+          </a:xfrm>
+          <a:prstGeom prst="rect">
+            <a:avLst/>
+          </a:prstGeom>
+          <a:noFill/>
+        </p:spPr>
+        <p:txBody>
+          <a:bodyPr wrap="square" rtlCol="0">
+            <a:spAutoFit/>
+          </a:bodyPr>
+          <a:lstStyle/>
+          <a:p>
+            <a:r>
+              <a:rPr lang="en-US" altLang="ko-KR" dirty="0" err="1">
+                <a:solidFill>
+                  <a:schemeClr val="bg1">
+                    <a:lumMod val="85000"/>
+                  </a:schemeClr>
+                </a:solidFill>
+              </a:rPr>
+              <a:t>SourGrape</a:t>
+            </a:r>
+            <a:endParaRPr lang="ko-KR" altLang="en-US" dirty="0">
+              <a:solidFill>
+                <a:schemeClr val="bg1">
+                  <a:lumMod val="85000"/>
+                </a:schemeClr>
+              </a:solidFill>
+            </a:endParaRPr>
+          </a:p>
+        </p:txBody>
+      </p:sp>
+      <p:sp>
+        <p:nvSpPr>
+          <p:cNvPr id="8" name="타원 7"/>
+          <p:cNvSpPr/>
+          <p:nvPr/>
+        </p:nvSpPr>
+        <p:spPr>
+          <a:xfrm>
+            <a:off x="10496550" y="101083"/>
+            <a:ext cx="369332" cy="369332"/>
+          </a:xfrm>
+          <a:prstGeom prst="ellipse">
+            <a:avLst/>
+          </a:prstGeom>
+          <a:solidFill>
+            <a:srgbClr val="FF0000"/>
+          </a:solidFill>
+          <a:ln>
+            <a:solidFill>
+              <a:schemeClr val="tx1"/>
+            </a:solidFill>
+          </a:ln>
+        </p:spPr>
+        <p:style>
+          <a:lnRef idx="2">
+            <a:schemeClr val="accent1">
+              <a:shade val="50000"/>
+            </a:schemeClr>
+          </a:lnRef>
+          <a:fillRef idx="1">
+            <a:schemeClr val="accent1"/>
+          </a:fillRef>
+          <a:effectRef idx="0">
+            <a:schemeClr val="accent1"/>
+          </a:effectRef>
+          <a:fontRef idx="minor">
+            <a:schemeClr val="lt1"/>
+          </a:fontRef>
+        </p:style>
+        <p:txBody>
+          <a:bodyPr rtlCol="0" anchor="ctr"/>
+          <a:lstStyle/>
+          <a:p>
+            <a:pPr algn="ctr"/>
+            <a:endParaRPr lang="ko-KR" altLang="en-US"/>
+          </a:p>
+        </p:txBody>
+      </p:sp>
+      <p:sp>
+        <p:nvSpPr>
+          <p:cNvPr id="9" name="TextBox 8"/>
+          <p:cNvSpPr txBox="1"/>
+          <p:nvPr/>
+        </p:nvSpPr>
+        <p:spPr>
+          <a:xfrm>
+            <a:off x="10951607" y="129658"/>
+            <a:ext cx="1107043" cy="292388"/>
+          </a:xfrm>
+          <a:prstGeom prst="rect">
+            <a:avLst/>
+          </a:prstGeom>
+          <a:noFill/>
+        </p:spPr>
+        <p:txBody>
+          <a:bodyPr wrap="square" rtlCol="0">
+            <a:spAutoFit/>
+          </a:bodyPr>
+          <a:lstStyle/>
+          <a:p>
+            <a:r>
+              <a:rPr lang="en-US" altLang="ko-KR" sz="1300" dirty="0">
+                <a:solidFill>
+                  <a:schemeClr val="bg1">
+                    <a:lumMod val="85000"/>
+                  </a:schemeClr>
+                </a:solidFill>
+              </a:rPr>
+              <a:t>Guest</a:t>
+            </a:r>
+            <a:endParaRPr lang="ko-KR" altLang="en-US" sz="1300" dirty="0">
+              <a:solidFill>
+                <a:schemeClr val="bg1">
+                  <a:lumMod val="85000"/>
+                </a:schemeClr>
+              </a:solidFill>
+            </a:endParaRPr>
+          </a:p>
+        </p:txBody>
+      </p:sp>
+      <p:sp>
+        <p:nvSpPr>
+          <p:cNvPr id="54" name="TextBox 53"/>
+          <p:cNvSpPr txBox="1"/>
+          <p:nvPr/>
+        </p:nvSpPr>
+        <p:spPr>
+          <a:xfrm>
+            <a:off x="2371725" y="571499"/>
+            <a:ext cx="7696199" cy="553998"/>
+          </a:xfrm>
+          <a:prstGeom prst="rect">
+            <a:avLst/>
+          </a:prstGeom>
+          <a:noFill/>
+        </p:spPr>
+        <p:txBody>
+          <a:bodyPr wrap="square" rtlCol="0">
+            <a:spAutoFit/>
+          </a:bodyPr>
+          <a:lstStyle/>
+          <a:p>
+            <a:r>
+              <a:rPr lang="ko-KR" altLang="en-US" sz="3000" b="1" spc="-150" dirty="0">
+                <a:solidFill>
+                  <a:schemeClr val="bg1">
+                    <a:lumMod val="85000"/>
+                  </a:schemeClr>
+                </a:solidFill>
+              </a:rPr>
+              <a:t>회원가입</a:t>
+            </a:r>
+          </a:p>
+        </p:txBody>
+      </p:sp>
+      <p:sp>
+        <p:nvSpPr>
+          <p:cNvPr id="21" name="직사각형 20"/>
+          <p:cNvSpPr/>
+          <p:nvPr/>
+        </p:nvSpPr>
+        <p:spPr>
+          <a:xfrm>
+            <a:off x="2371725" y="1145667"/>
+            <a:ext cx="5277426" cy="99753"/>
+          </a:xfrm>
+          <a:prstGeom prst="rect">
+            <a:avLst/>
+          </a:prstGeom>
+          <a:solidFill>
+            <a:schemeClr val="accent1"/>
+          </a:solidFill>
+          <a:ln>
+            <a:noFill/>
+          </a:ln>
+        </p:spPr>
+        <p:style>
+          <a:lnRef idx="2">
+            <a:schemeClr val="accent1">
+              <a:shade val="50000"/>
+            </a:schemeClr>
+          </a:lnRef>
+          <a:fillRef idx="1">
+            <a:schemeClr val="accent1"/>
+          </a:fillRef>
+          <a:effectRef idx="0">
+            <a:schemeClr val="accent1"/>
+          </a:effectRef>
+          <a:fontRef idx="minor">
+            <a:schemeClr val="lt1"/>
+          </a:fontRef>
+        </p:style>
+        <p:txBody>
+          <a:bodyPr rtlCol="0" anchor="ctr"/>
+          <a:lstStyle/>
+          <a:p>
+            <a:pPr algn="ctr"/>
+            <a:endParaRPr lang="ko-KR" altLang="en-US"/>
+          </a:p>
+        </p:txBody>
+      </p:sp>
+      <p:sp>
+        <p:nvSpPr>
+          <p:cNvPr id="42" name="TextBox 41"/>
+          <p:cNvSpPr txBox="1"/>
+          <p:nvPr/>
+        </p:nvSpPr>
+        <p:spPr>
+          <a:xfrm>
+            <a:off x="3253825" y="1711085"/>
+            <a:ext cx="813927" cy="400110"/>
+          </a:xfrm>
+          <a:prstGeom prst="rect">
+            <a:avLst/>
+          </a:prstGeom>
+          <a:noFill/>
+        </p:spPr>
+        <p:txBody>
+          <a:bodyPr wrap="square" rtlCol="0">
+            <a:spAutoFit/>
+          </a:bodyPr>
+          <a:lstStyle/>
+          <a:p>
+            <a:r>
+              <a:rPr lang="ko-KR" altLang="en-US" sz="2000" b="1" spc="-150" dirty="0">
+                <a:solidFill>
+                  <a:schemeClr val="bg1">
+                    <a:lumMod val="85000"/>
+                  </a:schemeClr>
+                </a:solidFill>
+              </a:rPr>
+              <a:t> 이름 </a:t>
+            </a:r>
+            <a:r>
+              <a:rPr lang="en-US" altLang="ko-KR" sz="2000" b="1" spc="-150" dirty="0">
+                <a:solidFill>
+                  <a:schemeClr val="bg1">
+                    <a:lumMod val="85000"/>
+                  </a:schemeClr>
+                </a:solidFill>
+              </a:rPr>
+              <a:t>: </a:t>
+            </a:r>
+            <a:endParaRPr lang="ko-KR" altLang="en-US" sz="2000" b="1" spc="-150" dirty="0">
+              <a:solidFill>
+                <a:schemeClr val="bg1">
+                  <a:lumMod val="85000"/>
+                </a:schemeClr>
+              </a:solidFill>
+            </a:endParaRPr>
+          </a:p>
+        </p:txBody>
+      </p:sp>
+      <p:sp>
+        <p:nvSpPr>
+          <p:cNvPr id="3" name="직사각형 2"/>
+          <p:cNvSpPr/>
+          <p:nvPr/>
+        </p:nvSpPr>
+        <p:spPr>
+          <a:xfrm>
+            <a:off x="4114800" y="1711085"/>
+            <a:ext cx="1799304" cy="400110"/>
+          </a:xfrm>
+          <a:prstGeom prst="rect">
+            <a:avLst/>
+          </a:prstGeom>
+          <a:solidFill>
+            <a:schemeClr val="bg1">
+              <a:lumMod val="95000"/>
+            </a:schemeClr>
+          </a:solidFill>
+          <a:effectLst>
+            <a:innerShdw blurRad="127000">
+              <a:prstClr val="black"/>
+            </a:innerShdw>
+          </a:effectLst>
+        </p:spPr>
+        <p:style>
+          <a:lnRef idx="2">
+            <a:schemeClr val="accent1">
+              <a:shade val="50000"/>
+            </a:schemeClr>
+          </a:lnRef>
+          <a:fillRef idx="1">
+            <a:schemeClr val="accent1"/>
+          </a:fillRef>
+          <a:effectRef idx="0">
+            <a:schemeClr val="accent1"/>
+          </a:effectRef>
+          <a:fontRef idx="minor">
+            <a:schemeClr val="lt1"/>
+          </a:fontRef>
+        </p:style>
+        <p:txBody>
+          <a:bodyPr rtlCol="0" anchor="ctr"/>
+          <a:lstStyle/>
+          <a:p>
+            <a:pPr algn="ctr"/>
+            <a:endParaRPr lang="ko-KR" altLang="en-US"/>
+          </a:p>
+        </p:txBody>
+      </p:sp>
+      <p:sp>
+        <p:nvSpPr>
+          <p:cNvPr id="47" name="직사각형 46"/>
+          <p:cNvSpPr/>
+          <p:nvPr/>
+        </p:nvSpPr>
+        <p:spPr>
+          <a:xfrm>
+            <a:off x="4110786" y="2317551"/>
+            <a:ext cx="1799304" cy="400110"/>
+          </a:xfrm>
+          <a:prstGeom prst="rect">
+            <a:avLst/>
+          </a:prstGeom>
+          <a:solidFill>
+            <a:schemeClr val="bg1">
+              <a:lumMod val="95000"/>
+            </a:schemeClr>
+          </a:solidFill>
+          <a:effectLst>
+            <a:innerShdw blurRad="127000">
+              <a:prstClr val="black"/>
+            </a:innerShdw>
+          </a:effectLst>
+        </p:spPr>
+        <p:style>
+          <a:lnRef idx="2">
+            <a:schemeClr val="accent1">
+              <a:shade val="50000"/>
+            </a:schemeClr>
+          </a:lnRef>
+          <a:fillRef idx="1">
+            <a:schemeClr val="accent1"/>
+          </a:fillRef>
+          <a:effectRef idx="0">
+            <a:schemeClr val="accent1"/>
+          </a:effectRef>
+          <a:fontRef idx="minor">
+            <a:schemeClr val="lt1"/>
+          </a:fontRef>
+        </p:style>
+        <p:txBody>
+          <a:bodyPr rtlCol="0" anchor="ctr"/>
+          <a:lstStyle/>
+          <a:p>
+            <a:pPr algn="ctr"/>
+            <a:endParaRPr lang="ko-KR" altLang="en-US"/>
+          </a:p>
+        </p:txBody>
+      </p:sp>
+      <p:sp>
+        <p:nvSpPr>
+          <p:cNvPr id="48" name="직사각형 47"/>
+          <p:cNvSpPr/>
+          <p:nvPr/>
+        </p:nvSpPr>
+        <p:spPr>
+          <a:xfrm>
+            <a:off x="4110786" y="2836458"/>
+            <a:ext cx="1799304" cy="400110"/>
+          </a:xfrm>
+          <a:prstGeom prst="rect">
+            <a:avLst/>
+          </a:prstGeom>
+          <a:solidFill>
+            <a:schemeClr val="bg1">
+              <a:lumMod val="95000"/>
+            </a:schemeClr>
+          </a:solidFill>
+          <a:effectLst>
+            <a:innerShdw blurRad="127000">
+              <a:prstClr val="black"/>
+            </a:innerShdw>
+          </a:effectLst>
+        </p:spPr>
+        <p:style>
+          <a:lnRef idx="2">
+            <a:schemeClr val="accent1">
+              <a:shade val="50000"/>
+            </a:schemeClr>
+          </a:lnRef>
+          <a:fillRef idx="1">
+            <a:schemeClr val="accent1"/>
+          </a:fillRef>
+          <a:effectRef idx="0">
+            <a:schemeClr val="accent1"/>
+          </a:effectRef>
+          <a:fontRef idx="minor">
+            <a:schemeClr val="lt1"/>
+          </a:fontRef>
+        </p:style>
+        <p:txBody>
+          <a:bodyPr rtlCol="0" anchor="ctr"/>
+          <a:lstStyle/>
+          <a:p>
+            <a:pPr algn="ctr"/>
+            <a:endParaRPr lang="ko-KR" altLang="en-US"/>
+          </a:p>
+        </p:txBody>
+      </p:sp>
+      <p:sp>
+        <p:nvSpPr>
+          <p:cNvPr id="50" name="TextBox 49"/>
+          <p:cNvSpPr txBox="1"/>
+          <p:nvPr/>
+        </p:nvSpPr>
+        <p:spPr>
+          <a:xfrm>
+            <a:off x="2810163" y="3384034"/>
+            <a:ext cx="1300623" cy="400110"/>
+          </a:xfrm>
+          <a:prstGeom prst="rect">
+            <a:avLst/>
+          </a:prstGeom>
+          <a:noFill/>
+        </p:spPr>
+        <p:txBody>
+          <a:bodyPr wrap="square" rtlCol="0">
+            <a:spAutoFit/>
+          </a:bodyPr>
+          <a:lstStyle/>
+          <a:p>
+            <a:r>
+              <a:rPr lang="ko-KR" altLang="en-US" sz="2000" b="1" spc="-150" dirty="0">
+                <a:solidFill>
+                  <a:schemeClr val="bg1">
+                    <a:lumMod val="85000"/>
+                  </a:schemeClr>
+                </a:solidFill>
+              </a:rPr>
+              <a:t>생년월일 </a:t>
+            </a:r>
+            <a:r>
+              <a:rPr lang="en-US" altLang="ko-KR" sz="2000" b="1" spc="-150" dirty="0">
+                <a:solidFill>
+                  <a:schemeClr val="bg1">
+                    <a:lumMod val="85000"/>
+                  </a:schemeClr>
+                </a:solidFill>
+              </a:rPr>
+              <a:t>: </a:t>
+            </a:r>
+            <a:endParaRPr lang="ko-KR" altLang="en-US" sz="2000" b="1" spc="-150" dirty="0">
+              <a:solidFill>
+                <a:schemeClr val="bg1">
+                  <a:lumMod val="85000"/>
+                </a:schemeClr>
+              </a:solidFill>
+            </a:endParaRPr>
+          </a:p>
+        </p:txBody>
+      </p:sp>
+      <p:sp>
+        <p:nvSpPr>
+          <p:cNvPr id="51" name="직사각형 50"/>
+          <p:cNvSpPr/>
+          <p:nvPr/>
+        </p:nvSpPr>
+        <p:spPr>
+          <a:xfrm>
+            <a:off x="4110786" y="3403656"/>
+            <a:ext cx="1799304" cy="400110"/>
+          </a:xfrm>
+          <a:prstGeom prst="rect">
+            <a:avLst/>
+          </a:prstGeom>
+          <a:solidFill>
+            <a:schemeClr val="bg1">
+              <a:lumMod val="95000"/>
+            </a:schemeClr>
+          </a:solidFill>
+          <a:effectLst>
+            <a:innerShdw blurRad="127000">
+              <a:prstClr val="black"/>
+            </a:innerShdw>
+          </a:effectLst>
+        </p:spPr>
+        <p:style>
+          <a:lnRef idx="2">
+            <a:schemeClr val="accent1">
+              <a:shade val="50000"/>
+            </a:schemeClr>
+          </a:lnRef>
+          <a:fillRef idx="1">
+            <a:schemeClr val="accent1"/>
+          </a:fillRef>
+          <a:effectRef idx="0">
+            <a:schemeClr val="accent1"/>
+          </a:effectRef>
+          <a:fontRef idx="minor">
+            <a:schemeClr val="lt1"/>
+          </a:fontRef>
+        </p:style>
+        <p:txBody>
+          <a:bodyPr rtlCol="0" anchor="ctr"/>
+          <a:lstStyle/>
+          <a:p>
+            <a:pPr algn="ctr"/>
+            <a:endParaRPr lang="ko-KR" altLang="en-US"/>
+          </a:p>
+        </p:txBody>
+      </p:sp>
+      <p:sp>
+        <p:nvSpPr>
+          <p:cNvPr id="4" name="직사각형 3"/>
+          <p:cNvSpPr/>
+          <p:nvPr/>
+        </p:nvSpPr>
+        <p:spPr>
+          <a:xfrm>
+            <a:off x="5965244" y="2353325"/>
+            <a:ext cx="948466" cy="364336"/>
+          </a:xfrm>
+          <a:prstGeom prst="rect">
+            <a:avLst/>
+          </a:prstGeom>
+          <a:solidFill>
+            <a:schemeClr val="tx2"/>
+          </a:solidFill>
+        </p:spPr>
+        <p:style>
+          <a:lnRef idx="2">
+            <a:schemeClr val="accent1">
+              <a:shade val="50000"/>
+            </a:schemeClr>
+          </a:lnRef>
+          <a:fillRef idx="1">
+            <a:schemeClr val="accent1"/>
+          </a:fillRef>
+          <a:effectRef idx="0">
+            <a:schemeClr val="accent1"/>
+          </a:effectRef>
+          <a:fontRef idx="minor">
+            <a:schemeClr val="lt1"/>
+          </a:fontRef>
+        </p:style>
+        <p:txBody>
+          <a:bodyPr rtlCol="0" anchor="ctr"/>
+          <a:lstStyle/>
+          <a:p>
+            <a:pPr algn="ctr"/>
+            <a:r>
+              <a:rPr lang="ko-KR" altLang="en-US" sz="1200" b="1" dirty="0"/>
+              <a:t>중복검사</a:t>
+            </a:r>
+          </a:p>
+        </p:txBody>
+      </p:sp>
+      <p:sp>
+        <p:nvSpPr>
+          <p:cNvPr id="53" name="TextBox 52"/>
+          <p:cNvSpPr txBox="1"/>
+          <p:nvPr/>
+        </p:nvSpPr>
+        <p:spPr>
+          <a:xfrm>
+            <a:off x="3506946" y="2334768"/>
+            <a:ext cx="666618" cy="400110"/>
+          </a:xfrm>
+          <a:prstGeom prst="rect">
+            <a:avLst/>
+          </a:prstGeom>
+          <a:noFill/>
+        </p:spPr>
+        <p:txBody>
+          <a:bodyPr wrap="square" rtlCol="0">
+            <a:spAutoFit/>
+          </a:bodyPr>
+          <a:lstStyle/>
+          <a:p>
+            <a:r>
+              <a:rPr lang="ko-KR" altLang="en-US" sz="2000" b="1" spc="-150" dirty="0">
+                <a:solidFill>
+                  <a:schemeClr val="bg1">
+                    <a:lumMod val="85000"/>
+                  </a:schemeClr>
+                </a:solidFill>
+              </a:rPr>
+              <a:t> </a:t>
+            </a:r>
+            <a:r>
+              <a:rPr lang="en-US" altLang="ko-KR" sz="2000" b="1" spc="-150" dirty="0">
+                <a:solidFill>
+                  <a:schemeClr val="bg1">
+                    <a:lumMod val="85000"/>
+                  </a:schemeClr>
+                </a:solidFill>
+              </a:rPr>
+              <a:t>ID</a:t>
+            </a:r>
+            <a:r>
+              <a:rPr lang="ko-KR" altLang="en-US" sz="2000" b="1" spc="-150" dirty="0">
+                <a:solidFill>
+                  <a:schemeClr val="bg1">
+                    <a:lumMod val="85000"/>
+                  </a:schemeClr>
+                </a:solidFill>
+              </a:rPr>
+              <a:t> </a:t>
+            </a:r>
+            <a:r>
+              <a:rPr lang="en-US" altLang="ko-KR" sz="2000" b="1" spc="-150" dirty="0">
+                <a:solidFill>
+                  <a:schemeClr val="bg1">
+                    <a:lumMod val="85000"/>
+                  </a:schemeClr>
+                </a:solidFill>
+              </a:rPr>
+              <a:t>: </a:t>
+            </a:r>
+            <a:endParaRPr lang="ko-KR" altLang="en-US" sz="2000" b="1" spc="-150" dirty="0">
+              <a:solidFill>
+                <a:schemeClr val="bg1">
+                  <a:lumMod val="85000"/>
+                </a:schemeClr>
+              </a:solidFill>
+            </a:endParaRPr>
+          </a:p>
+        </p:txBody>
+      </p:sp>
+      <p:sp>
+        <p:nvSpPr>
+          <p:cNvPr id="55" name="TextBox 54"/>
+          <p:cNvSpPr txBox="1"/>
+          <p:nvPr/>
+        </p:nvSpPr>
+        <p:spPr>
+          <a:xfrm>
+            <a:off x="3249811" y="2802418"/>
+            <a:ext cx="813927" cy="400110"/>
+          </a:xfrm>
+          <a:prstGeom prst="rect">
+            <a:avLst/>
+          </a:prstGeom>
+          <a:noFill/>
+        </p:spPr>
+        <p:txBody>
+          <a:bodyPr wrap="square" rtlCol="0">
+            <a:spAutoFit/>
+          </a:bodyPr>
+          <a:lstStyle/>
+          <a:p>
+            <a:pPr algn="r"/>
+            <a:r>
+              <a:rPr lang="ko-KR" altLang="en-US" sz="2000" b="1" spc="-150" dirty="0">
+                <a:solidFill>
+                  <a:schemeClr val="bg1">
+                    <a:lumMod val="85000"/>
+                  </a:schemeClr>
+                </a:solidFill>
+              </a:rPr>
+              <a:t> </a:t>
+            </a:r>
+            <a:r>
+              <a:rPr lang="en-US" altLang="ko-KR" sz="2000" b="1" spc="-150" dirty="0">
+                <a:solidFill>
+                  <a:schemeClr val="bg1">
+                    <a:lumMod val="85000"/>
+                  </a:schemeClr>
+                </a:solidFill>
+              </a:rPr>
+              <a:t>PW</a:t>
+            </a:r>
+            <a:r>
+              <a:rPr lang="ko-KR" altLang="en-US" sz="2000" b="1" spc="-150" dirty="0">
+                <a:solidFill>
+                  <a:schemeClr val="bg1">
+                    <a:lumMod val="85000"/>
+                  </a:schemeClr>
+                </a:solidFill>
+              </a:rPr>
+              <a:t> </a:t>
+            </a:r>
+            <a:r>
+              <a:rPr lang="en-US" altLang="ko-KR" sz="2000" b="1" spc="-150" dirty="0">
+                <a:solidFill>
+                  <a:schemeClr val="bg1">
+                    <a:lumMod val="85000"/>
+                  </a:schemeClr>
+                </a:solidFill>
+              </a:rPr>
+              <a:t>: </a:t>
+            </a:r>
+            <a:endParaRPr lang="ko-KR" altLang="en-US" sz="2000" b="1" spc="-150" dirty="0">
+              <a:solidFill>
+                <a:schemeClr val="bg1">
+                  <a:lumMod val="85000"/>
+                </a:schemeClr>
+              </a:solidFill>
+            </a:endParaRPr>
+          </a:p>
+        </p:txBody>
+      </p:sp>
+      <p:sp>
+        <p:nvSpPr>
+          <p:cNvPr id="56" name="직사각형 55"/>
+          <p:cNvSpPr/>
+          <p:nvPr/>
+        </p:nvSpPr>
+        <p:spPr>
+          <a:xfrm>
+            <a:off x="3656774" y="4545823"/>
+            <a:ext cx="1218997" cy="364336"/>
+          </a:xfrm>
+          <a:prstGeom prst="rect">
+            <a:avLst/>
+          </a:prstGeom>
+          <a:solidFill>
+            <a:schemeClr val="tx2"/>
+          </a:solidFill>
+        </p:spPr>
+        <p:style>
+          <a:lnRef idx="2">
+            <a:schemeClr val="accent1">
+              <a:shade val="50000"/>
+            </a:schemeClr>
+          </a:lnRef>
+          <a:fillRef idx="1">
+            <a:schemeClr val="accent1"/>
+          </a:fillRef>
+          <a:effectRef idx="0">
+            <a:schemeClr val="accent1"/>
+          </a:effectRef>
+          <a:fontRef idx="minor">
+            <a:schemeClr val="lt1"/>
+          </a:fontRef>
+        </p:style>
+        <p:txBody>
+          <a:bodyPr rtlCol="0" anchor="ctr"/>
+          <a:lstStyle/>
+          <a:p>
+            <a:pPr algn="ctr"/>
+            <a:r>
+              <a:rPr lang="en-US" altLang="ko-KR" sz="1200" b="1" dirty="0" err="1"/>
+              <a:t>facebook</a:t>
+            </a:r>
+            <a:r>
+              <a:rPr lang="en-US" altLang="ko-KR" sz="1200" b="1" dirty="0"/>
+              <a:t> </a:t>
+            </a:r>
+            <a:r>
+              <a:rPr lang="ko-KR" altLang="en-US" sz="1200" b="1" dirty="0"/>
+              <a:t>연동</a:t>
+            </a:r>
+          </a:p>
+        </p:txBody>
+      </p:sp>
+      <p:sp>
+        <p:nvSpPr>
+          <p:cNvPr id="57" name="직사각형 56"/>
+          <p:cNvSpPr/>
+          <p:nvPr/>
+        </p:nvSpPr>
+        <p:spPr>
+          <a:xfrm>
+            <a:off x="5193299" y="4545823"/>
+            <a:ext cx="1218997" cy="364336"/>
+          </a:xfrm>
+          <a:prstGeom prst="rect">
+            <a:avLst/>
+          </a:prstGeom>
+          <a:solidFill>
+            <a:schemeClr val="tx2"/>
+          </a:solidFill>
+        </p:spPr>
+        <p:style>
+          <a:lnRef idx="2">
+            <a:schemeClr val="accent1">
+              <a:shade val="50000"/>
+            </a:schemeClr>
+          </a:lnRef>
+          <a:fillRef idx="1">
+            <a:schemeClr val="accent1"/>
+          </a:fillRef>
+          <a:effectRef idx="0">
+            <a:schemeClr val="accent1"/>
+          </a:effectRef>
+          <a:fontRef idx="minor">
+            <a:schemeClr val="lt1"/>
+          </a:fontRef>
+        </p:style>
+        <p:txBody>
+          <a:bodyPr rtlCol="0" anchor="ctr"/>
+          <a:lstStyle/>
+          <a:p>
+            <a:pPr algn="ctr"/>
+            <a:r>
+              <a:rPr lang="ko-KR" altLang="en-US" sz="1200" b="1" dirty="0"/>
+              <a:t>회원 가입</a:t>
+            </a:r>
+          </a:p>
+        </p:txBody>
+      </p:sp>
+    </p:spTree>
+    <p:extLst>
+      <p:ext uri="{BB962C8B-B14F-4D97-AF65-F5344CB8AC3E}">
+        <p14:creationId xmlns:p14="http://schemas.microsoft.com/office/powerpoint/2010/main" val="2071069304"/>
+      </p:ext>
+    </p:extLst>
+  </p:cSld>
+  <p:clrMapOvr>
+    <a:masterClrMapping/>
+  </p:clrMapOvr>
+</p:sld>
+</file>
+
+<file path=ppt/slides/slide8.xml><?xml version="1.0" encoding="utf-8"?>
+<p:sld xmlns:a="http://schemas.openxmlformats.org/drawingml/2006/main" xmlns:r="http://schemas.openxmlformats.org/officeDocument/2006/relationships" xmlns:p="http://schemas.openxmlformats.org/presentationml/2006/main">
+  <p:cSld>
+    <p:spTree>
+      <p:nvGrpSpPr>
+        <p:cNvPr id="1" name=""/>
+        <p:cNvGrpSpPr/>
+        <p:nvPr/>
+      </p:nvGrpSpPr>
+      <p:grpSpPr>
+        <a:xfrm>
+          <a:off x="0" y="0"/>
+          <a:ext cx="0" cy="0"/>
+          <a:chOff x="0" y="0"/>
+          <a:chExt cx="0" cy="0"/>
+        </a:xfrm>
+      </p:grpSpPr>
+      <p:sp>
+        <p:nvSpPr>
+          <p:cNvPr id="13" name="직사각형 12"/>
+          <p:cNvSpPr/>
+          <p:nvPr/>
+        </p:nvSpPr>
+        <p:spPr>
+          <a:xfrm>
+            <a:off x="0" y="-20981"/>
+            <a:ext cx="12192000" cy="6858000"/>
+          </a:xfrm>
+          <a:prstGeom prst="rect">
+            <a:avLst/>
+          </a:prstGeom>
+          <a:solidFill>
+            <a:srgbClr val="182D42"/>
+          </a:solidFill>
+          <a:ln>
+            <a:noFill/>
+          </a:ln>
+        </p:spPr>
+        <p:style>
+          <a:lnRef idx="2">
+            <a:schemeClr val="accent1">
+              <a:shade val="50000"/>
+            </a:schemeClr>
+          </a:lnRef>
+          <a:fillRef idx="1">
+            <a:schemeClr val="accent1"/>
+          </a:fillRef>
+          <a:effectRef idx="0">
+            <a:schemeClr val="accent1"/>
+          </a:effectRef>
+          <a:fontRef idx="minor">
+            <a:schemeClr val="lt1"/>
+          </a:fontRef>
+        </p:style>
+        <p:txBody>
+          <a:bodyPr rtlCol="0" anchor="ctr"/>
+          <a:lstStyle/>
+          <a:p>
+            <a:pPr algn="ctr"/>
+            <a:endParaRPr lang="ko-KR" altLang="en-US"/>
+          </a:p>
+        </p:txBody>
+      </p:sp>
+      <p:sp>
+        <p:nvSpPr>
+          <p:cNvPr id="2" name="직사각형 1"/>
+          <p:cNvSpPr/>
+          <p:nvPr/>
+        </p:nvSpPr>
+        <p:spPr>
+          <a:xfrm>
+            <a:off x="2324677" y="512206"/>
+            <a:ext cx="5757439" cy="6324813"/>
+          </a:xfrm>
+          <a:prstGeom prst="rect">
+            <a:avLst/>
+          </a:prstGeom>
+          <a:solidFill>
+            <a:srgbClr val="132536"/>
+          </a:solidFill>
+          <a:ln>
+            <a:noFill/>
+          </a:ln>
+        </p:spPr>
+        <p:style>
+          <a:lnRef idx="2">
+            <a:schemeClr val="accent1">
+              <a:shade val="50000"/>
+            </a:schemeClr>
+          </a:lnRef>
+          <a:fillRef idx="1">
+            <a:schemeClr val="accent1"/>
+          </a:fillRef>
+          <a:effectRef idx="0">
+            <a:schemeClr val="accent1"/>
+          </a:effectRef>
+          <a:fontRef idx="minor">
+            <a:schemeClr val="lt1"/>
+          </a:fontRef>
+        </p:style>
+        <p:txBody>
+          <a:bodyPr rtlCol="0" anchor="ctr"/>
+          <a:lstStyle/>
+          <a:p>
+            <a:pPr algn="ctr"/>
+            <a:endParaRPr lang="ko-KR" altLang="en-US" dirty="0"/>
+          </a:p>
+        </p:txBody>
+      </p:sp>
+      <p:sp>
+        <p:nvSpPr>
+          <p:cNvPr id="6" name="직사각형 5"/>
+          <p:cNvSpPr/>
+          <p:nvPr/>
+        </p:nvSpPr>
+        <p:spPr>
+          <a:xfrm>
+            <a:off x="0" y="0"/>
+            <a:ext cx="12192000" cy="571499"/>
+          </a:xfrm>
+          <a:prstGeom prst="rect">
+            <a:avLst/>
+          </a:prstGeom>
+          <a:solidFill>
+            <a:srgbClr val="171A21"/>
+          </a:solidFill>
+          <a:ln>
+            <a:noFill/>
+          </a:ln>
+        </p:spPr>
+        <p:style>
+          <a:lnRef idx="2">
+            <a:schemeClr val="accent1">
+              <a:shade val="50000"/>
+            </a:schemeClr>
+          </a:lnRef>
+          <a:fillRef idx="1">
+            <a:schemeClr val="accent1"/>
+          </a:fillRef>
+          <a:effectRef idx="0">
+            <a:schemeClr val="accent1"/>
+          </a:effectRef>
+          <a:fontRef idx="minor">
+            <a:schemeClr val="lt1"/>
+          </a:fontRef>
+        </p:style>
+        <p:txBody>
+          <a:bodyPr rtlCol="0" anchor="ctr"/>
+          <a:lstStyle/>
+          <a:p>
+            <a:pPr algn="ctr"/>
+            <a:endParaRPr lang="ko-KR" altLang="en-US"/>
+          </a:p>
+        </p:txBody>
+      </p:sp>
+      <p:sp>
+        <p:nvSpPr>
+          <p:cNvPr id="7" name="TextBox 6"/>
+          <p:cNvSpPr txBox="1"/>
+          <p:nvPr/>
+        </p:nvSpPr>
+        <p:spPr>
+          <a:xfrm>
+            <a:off x="95250" y="71437"/>
+            <a:ext cx="4219575" cy="369332"/>
+          </a:xfrm>
+          <a:prstGeom prst="rect">
+            <a:avLst/>
+          </a:prstGeom>
+          <a:noFill/>
+        </p:spPr>
+        <p:txBody>
+          <a:bodyPr wrap="square" rtlCol="0">
+            <a:spAutoFit/>
+          </a:bodyPr>
+          <a:lstStyle/>
+          <a:p>
+            <a:r>
+              <a:rPr lang="en-US" altLang="ko-KR" dirty="0" err="1">
+                <a:solidFill>
+                  <a:schemeClr val="bg1">
+                    <a:lumMod val="85000"/>
+                  </a:schemeClr>
+                </a:solidFill>
+              </a:rPr>
+              <a:t>SourGrape</a:t>
+            </a:r>
+            <a:endParaRPr lang="ko-KR" altLang="en-US" dirty="0">
+              <a:solidFill>
+                <a:schemeClr val="bg1">
+                  <a:lumMod val="85000"/>
+                </a:schemeClr>
+              </a:solidFill>
+            </a:endParaRPr>
+          </a:p>
+        </p:txBody>
+      </p:sp>
+      <p:sp>
+        <p:nvSpPr>
+          <p:cNvPr id="8" name="타원 7"/>
+          <p:cNvSpPr/>
+          <p:nvPr/>
+        </p:nvSpPr>
+        <p:spPr>
+          <a:xfrm>
+            <a:off x="10496550" y="101083"/>
+            <a:ext cx="369332" cy="369332"/>
+          </a:xfrm>
+          <a:prstGeom prst="ellipse">
+            <a:avLst/>
+          </a:prstGeom>
+          <a:solidFill>
+            <a:srgbClr val="FF0000"/>
+          </a:solidFill>
+          <a:ln>
+            <a:solidFill>
+              <a:schemeClr val="tx1"/>
+            </a:solidFill>
+          </a:ln>
+        </p:spPr>
+        <p:style>
+          <a:lnRef idx="2">
+            <a:schemeClr val="accent1">
+              <a:shade val="50000"/>
+            </a:schemeClr>
+          </a:lnRef>
+          <a:fillRef idx="1">
+            <a:schemeClr val="accent1"/>
+          </a:fillRef>
+          <a:effectRef idx="0">
+            <a:schemeClr val="accent1"/>
+          </a:effectRef>
+          <a:fontRef idx="minor">
+            <a:schemeClr val="lt1"/>
+          </a:fontRef>
+        </p:style>
+        <p:txBody>
+          <a:bodyPr rtlCol="0" anchor="ctr"/>
+          <a:lstStyle/>
+          <a:p>
+            <a:pPr algn="ctr"/>
+            <a:endParaRPr lang="ko-KR" altLang="en-US"/>
+          </a:p>
+        </p:txBody>
+      </p:sp>
+      <p:sp>
+        <p:nvSpPr>
+          <p:cNvPr id="9" name="TextBox 8"/>
+          <p:cNvSpPr txBox="1"/>
+          <p:nvPr/>
+        </p:nvSpPr>
+        <p:spPr>
+          <a:xfrm>
+            <a:off x="10951607" y="129658"/>
+            <a:ext cx="1107043" cy="292388"/>
+          </a:xfrm>
+          <a:prstGeom prst="rect">
+            <a:avLst/>
+          </a:prstGeom>
+          <a:noFill/>
+        </p:spPr>
+        <p:txBody>
+          <a:bodyPr wrap="square" rtlCol="0">
+            <a:spAutoFit/>
+          </a:bodyPr>
+          <a:lstStyle/>
+          <a:p>
+            <a:r>
+              <a:rPr lang="ko-KR" altLang="en-US" sz="1300" dirty="0">
+                <a:solidFill>
+                  <a:schemeClr val="bg1">
+                    <a:lumMod val="85000"/>
+                  </a:schemeClr>
+                </a:solidFill>
+              </a:rPr>
+              <a:t>홍길동</a:t>
+            </a:r>
+          </a:p>
+        </p:txBody>
+      </p:sp>
+      <p:sp>
+        <p:nvSpPr>
+          <p:cNvPr id="54" name="TextBox 53"/>
+          <p:cNvSpPr txBox="1"/>
+          <p:nvPr/>
+        </p:nvSpPr>
+        <p:spPr>
+          <a:xfrm>
+            <a:off x="2371725" y="571499"/>
+            <a:ext cx="7696199" cy="553998"/>
+          </a:xfrm>
+          <a:prstGeom prst="rect">
+            <a:avLst/>
+          </a:prstGeom>
+          <a:noFill/>
+        </p:spPr>
+        <p:txBody>
+          <a:bodyPr wrap="square" rtlCol="0">
+            <a:spAutoFit/>
+          </a:bodyPr>
+          <a:lstStyle/>
+          <a:p>
+            <a:r>
+              <a:rPr lang="ko-KR" altLang="en-US" sz="3000" b="1" spc="-150" dirty="0">
+                <a:solidFill>
+                  <a:schemeClr val="bg1">
+                    <a:lumMod val="85000"/>
+                  </a:schemeClr>
+                </a:solidFill>
+              </a:rPr>
+              <a:t>회원정보 수정</a:t>
+            </a:r>
+          </a:p>
+        </p:txBody>
+      </p:sp>
+      <p:sp>
+        <p:nvSpPr>
+          <p:cNvPr id="21" name="직사각형 20"/>
+          <p:cNvSpPr/>
+          <p:nvPr/>
+        </p:nvSpPr>
+        <p:spPr>
+          <a:xfrm>
+            <a:off x="2371725" y="1145667"/>
+            <a:ext cx="5277426" cy="99753"/>
+          </a:xfrm>
+          <a:prstGeom prst="rect">
+            <a:avLst/>
+          </a:prstGeom>
+          <a:solidFill>
+            <a:schemeClr val="accent1"/>
+          </a:solidFill>
+          <a:ln>
+            <a:noFill/>
+          </a:ln>
+        </p:spPr>
+        <p:style>
+          <a:lnRef idx="2">
+            <a:schemeClr val="accent1">
+              <a:shade val="50000"/>
+            </a:schemeClr>
+          </a:lnRef>
+          <a:fillRef idx="1">
+            <a:schemeClr val="accent1"/>
+          </a:fillRef>
+          <a:effectRef idx="0">
+            <a:schemeClr val="accent1"/>
+          </a:effectRef>
+          <a:fontRef idx="minor">
+            <a:schemeClr val="lt1"/>
+          </a:fontRef>
+        </p:style>
+        <p:txBody>
+          <a:bodyPr rtlCol="0" anchor="ctr"/>
+          <a:lstStyle/>
+          <a:p>
+            <a:pPr algn="ctr"/>
+            <a:endParaRPr lang="ko-KR" altLang="en-US"/>
+          </a:p>
+        </p:txBody>
+      </p:sp>
+      <p:sp>
+        <p:nvSpPr>
+          <p:cNvPr id="42" name="TextBox 41"/>
+          <p:cNvSpPr txBox="1"/>
+          <p:nvPr/>
+        </p:nvSpPr>
+        <p:spPr>
+          <a:xfrm>
+            <a:off x="3253825" y="1711085"/>
+            <a:ext cx="813927" cy="400110"/>
+          </a:xfrm>
+          <a:prstGeom prst="rect">
+            <a:avLst/>
+          </a:prstGeom>
+          <a:noFill/>
+        </p:spPr>
+        <p:txBody>
+          <a:bodyPr wrap="square" rtlCol="0">
+            <a:spAutoFit/>
+          </a:bodyPr>
+          <a:lstStyle/>
+          <a:p>
+            <a:r>
+              <a:rPr lang="ko-KR" altLang="en-US" sz="2000" b="1" spc="-150" dirty="0">
+                <a:solidFill>
+                  <a:schemeClr val="bg1">
+                    <a:lumMod val="85000"/>
+                  </a:schemeClr>
+                </a:solidFill>
+              </a:rPr>
+              <a:t> 이름 </a:t>
+            </a:r>
+            <a:r>
+              <a:rPr lang="en-US" altLang="ko-KR" sz="2000" b="1" spc="-150" dirty="0">
+                <a:solidFill>
+                  <a:schemeClr val="bg1">
+                    <a:lumMod val="85000"/>
+                  </a:schemeClr>
+                </a:solidFill>
+              </a:rPr>
+              <a:t>: </a:t>
+            </a:r>
+            <a:endParaRPr lang="ko-KR" altLang="en-US" sz="2000" b="1" spc="-150" dirty="0">
+              <a:solidFill>
+                <a:schemeClr val="bg1">
+                  <a:lumMod val="85000"/>
+                </a:schemeClr>
+              </a:solidFill>
+            </a:endParaRPr>
+          </a:p>
+        </p:txBody>
+      </p:sp>
+      <p:sp>
+        <p:nvSpPr>
+          <p:cNvPr id="3" name="직사각형 2"/>
+          <p:cNvSpPr/>
+          <p:nvPr/>
+        </p:nvSpPr>
+        <p:spPr>
+          <a:xfrm>
+            <a:off x="4114800" y="1711085"/>
+            <a:ext cx="1799304" cy="400110"/>
+          </a:xfrm>
+          <a:prstGeom prst="rect">
+            <a:avLst/>
+          </a:prstGeom>
+          <a:solidFill>
+            <a:schemeClr val="bg1">
+              <a:lumMod val="95000"/>
+            </a:schemeClr>
+          </a:solidFill>
+          <a:effectLst>
+            <a:innerShdw blurRad="127000">
+              <a:prstClr val="black"/>
+            </a:innerShdw>
+          </a:effectLst>
+        </p:spPr>
+        <p:style>
+          <a:lnRef idx="2">
+            <a:schemeClr val="accent1">
+              <a:shade val="50000"/>
+            </a:schemeClr>
+          </a:lnRef>
+          <a:fillRef idx="1">
+            <a:schemeClr val="accent1"/>
+          </a:fillRef>
+          <a:effectRef idx="0">
+            <a:schemeClr val="accent1"/>
+          </a:effectRef>
+          <a:fontRef idx="minor">
+            <a:schemeClr val="lt1"/>
+          </a:fontRef>
+        </p:style>
+        <p:txBody>
+          <a:bodyPr rtlCol="0" anchor="ctr"/>
+          <a:lstStyle/>
+          <a:p>
+            <a:pPr algn="ctr"/>
+            <a:r>
+              <a:rPr lang="ko-KR" altLang="en-US" dirty="0">
+                <a:solidFill>
+                  <a:schemeClr val="tx1"/>
+                </a:solidFill>
+              </a:rPr>
+              <a:t>홍길동</a:t>
+            </a:r>
+          </a:p>
+        </p:txBody>
+      </p:sp>
+      <p:sp>
+        <p:nvSpPr>
+          <p:cNvPr id="47" name="직사각형 46"/>
+          <p:cNvSpPr/>
+          <p:nvPr/>
+        </p:nvSpPr>
+        <p:spPr>
+          <a:xfrm>
+            <a:off x="4110786" y="2317551"/>
+            <a:ext cx="1799304" cy="400110"/>
+          </a:xfrm>
+          <a:prstGeom prst="rect">
+            <a:avLst/>
+          </a:prstGeom>
+          <a:noFill/>
+          <a:effectLst>
+            <a:innerShdw blurRad="127000">
+              <a:prstClr val="black"/>
+            </a:innerShdw>
+          </a:effectLst>
+        </p:spPr>
+        <p:style>
+          <a:lnRef idx="2">
+            <a:schemeClr val="accent1">
+              <a:shade val="50000"/>
+            </a:schemeClr>
+          </a:lnRef>
+          <a:fillRef idx="1">
+            <a:schemeClr val="accent1"/>
+          </a:fillRef>
+          <a:effectRef idx="0">
+            <a:schemeClr val="accent1"/>
+          </a:effectRef>
+          <a:fontRef idx="minor">
+            <a:schemeClr val="lt1"/>
+          </a:fontRef>
+        </p:style>
+        <p:txBody>
+          <a:bodyPr rtlCol="0" anchor="ctr"/>
+          <a:lstStyle/>
+          <a:p>
+            <a:pPr algn="ctr"/>
+            <a:r>
+              <a:rPr lang="en-US" altLang="ko-KR" dirty="0"/>
+              <a:t>gildong123</a:t>
+            </a:r>
+            <a:endParaRPr lang="ko-KR" altLang="en-US" dirty="0"/>
+          </a:p>
+        </p:txBody>
+      </p:sp>
+      <p:sp>
+        <p:nvSpPr>
+          <p:cNvPr id="48" name="직사각형 47"/>
+          <p:cNvSpPr/>
+          <p:nvPr/>
+        </p:nvSpPr>
+        <p:spPr>
+          <a:xfrm>
+            <a:off x="4110786" y="2836458"/>
+            <a:ext cx="1799304" cy="400110"/>
+          </a:xfrm>
+          <a:prstGeom prst="rect">
+            <a:avLst/>
+          </a:prstGeom>
+          <a:solidFill>
+            <a:schemeClr val="bg1">
+              <a:lumMod val="95000"/>
+            </a:schemeClr>
+          </a:solidFill>
+          <a:effectLst>
+            <a:innerShdw blurRad="127000">
+              <a:prstClr val="black"/>
+            </a:innerShdw>
+          </a:effectLst>
+        </p:spPr>
+        <p:style>
+          <a:lnRef idx="2">
+            <a:schemeClr val="accent1">
+              <a:shade val="50000"/>
+            </a:schemeClr>
+          </a:lnRef>
+          <a:fillRef idx="1">
+            <a:schemeClr val="accent1"/>
+          </a:fillRef>
+          <a:effectRef idx="0">
+            <a:schemeClr val="accent1"/>
+          </a:effectRef>
+          <a:fontRef idx="minor">
+            <a:schemeClr val="lt1"/>
+          </a:fontRef>
+        </p:style>
+        <p:txBody>
+          <a:bodyPr rtlCol="0" anchor="ctr"/>
+          <a:lstStyle/>
+          <a:p>
+            <a:pPr algn="ctr"/>
+            <a:r>
+              <a:rPr lang="en-US" altLang="ko-KR" dirty="0">
+                <a:solidFill>
+                  <a:schemeClr val="tx1"/>
+                </a:solidFill>
+              </a:rPr>
+              <a:t>******</a:t>
+            </a:r>
+            <a:endParaRPr lang="ko-KR" altLang="en-US" dirty="0">
+              <a:solidFill>
+                <a:schemeClr val="tx1"/>
+              </a:solidFill>
+            </a:endParaRPr>
+          </a:p>
+        </p:txBody>
+      </p:sp>
+      <p:sp>
+        <p:nvSpPr>
+          <p:cNvPr id="50" name="TextBox 49"/>
+          <p:cNvSpPr txBox="1"/>
+          <p:nvPr/>
+        </p:nvSpPr>
+        <p:spPr>
+          <a:xfrm>
+            <a:off x="2810163" y="3384034"/>
+            <a:ext cx="1300623" cy="400110"/>
+          </a:xfrm>
+          <a:prstGeom prst="rect">
+            <a:avLst/>
+          </a:prstGeom>
+          <a:noFill/>
+        </p:spPr>
+        <p:txBody>
+          <a:bodyPr wrap="square" rtlCol="0">
+            <a:spAutoFit/>
+          </a:bodyPr>
+          <a:lstStyle/>
+          <a:p>
+            <a:r>
+              <a:rPr lang="ko-KR" altLang="en-US" sz="2000" b="1" spc="-150" dirty="0">
+                <a:solidFill>
+                  <a:schemeClr val="bg1">
+                    <a:lumMod val="85000"/>
+                  </a:schemeClr>
+                </a:solidFill>
+              </a:rPr>
+              <a:t>생년월일 </a:t>
+            </a:r>
+            <a:r>
+              <a:rPr lang="en-US" altLang="ko-KR" sz="2000" b="1" spc="-150" dirty="0">
+                <a:solidFill>
+                  <a:schemeClr val="bg1">
+                    <a:lumMod val="85000"/>
+                  </a:schemeClr>
+                </a:solidFill>
+              </a:rPr>
+              <a:t>: </a:t>
+            </a:r>
+            <a:endParaRPr lang="ko-KR" altLang="en-US" sz="2000" b="1" spc="-150" dirty="0">
+              <a:solidFill>
+                <a:schemeClr val="bg1">
+                  <a:lumMod val="85000"/>
+                </a:schemeClr>
+              </a:solidFill>
+            </a:endParaRPr>
+          </a:p>
+        </p:txBody>
+      </p:sp>
+      <p:sp>
+        <p:nvSpPr>
+          <p:cNvPr id="51" name="직사각형 50"/>
+          <p:cNvSpPr/>
+          <p:nvPr/>
+        </p:nvSpPr>
+        <p:spPr>
+          <a:xfrm>
+            <a:off x="4110786" y="3403656"/>
+            <a:ext cx="1799304" cy="400110"/>
+          </a:xfrm>
+          <a:prstGeom prst="rect">
+            <a:avLst/>
+          </a:prstGeom>
+          <a:solidFill>
+            <a:schemeClr val="bg1">
+              <a:lumMod val="95000"/>
+            </a:schemeClr>
+          </a:solidFill>
+          <a:effectLst>
+            <a:innerShdw blurRad="127000">
+              <a:prstClr val="black"/>
+            </a:innerShdw>
+          </a:effectLst>
+        </p:spPr>
+        <p:style>
+          <a:lnRef idx="2">
+            <a:schemeClr val="accent1">
+              <a:shade val="50000"/>
+            </a:schemeClr>
+          </a:lnRef>
+          <a:fillRef idx="1">
+            <a:schemeClr val="accent1"/>
+          </a:fillRef>
+          <a:effectRef idx="0">
+            <a:schemeClr val="accent1"/>
+          </a:effectRef>
+          <a:fontRef idx="minor">
+            <a:schemeClr val="lt1"/>
+          </a:fontRef>
+        </p:style>
+        <p:txBody>
+          <a:bodyPr rtlCol="0" anchor="ctr"/>
+          <a:lstStyle/>
+          <a:p>
+            <a:pPr algn="ctr"/>
+            <a:r>
+              <a:rPr lang="en-US" altLang="ko-KR" dirty="0">
+                <a:solidFill>
+                  <a:schemeClr val="tx1"/>
+                </a:solidFill>
+              </a:rPr>
+              <a:t>20141112</a:t>
+            </a:r>
+            <a:endParaRPr lang="ko-KR" altLang="en-US" dirty="0">
+              <a:solidFill>
+                <a:schemeClr val="tx1"/>
+              </a:solidFill>
+            </a:endParaRPr>
+          </a:p>
+        </p:txBody>
+      </p:sp>
+      <p:sp>
+        <p:nvSpPr>
+          <p:cNvPr id="53" name="TextBox 52"/>
+          <p:cNvSpPr txBox="1"/>
+          <p:nvPr/>
+        </p:nvSpPr>
+        <p:spPr>
+          <a:xfrm>
+            <a:off x="3506946" y="2334768"/>
+            <a:ext cx="666618" cy="400110"/>
+          </a:xfrm>
+          <a:prstGeom prst="rect">
+            <a:avLst/>
+          </a:prstGeom>
+          <a:noFill/>
+        </p:spPr>
+        <p:txBody>
+          <a:bodyPr wrap="square" rtlCol="0">
+            <a:spAutoFit/>
+          </a:bodyPr>
+          <a:lstStyle/>
+          <a:p>
+            <a:r>
+              <a:rPr lang="ko-KR" altLang="en-US" sz="2000" b="1" spc="-150" dirty="0">
+                <a:solidFill>
+                  <a:schemeClr val="bg1">
+                    <a:lumMod val="85000"/>
+                  </a:schemeClr>
+                </a:solidFill>
+              </a:rPr>
+              <a:t> </a:t>
+            </a:r>
+            <a:r>
+              <a:rPr lang="en-US" altLang="ko-KR" sz="2000" b="1" spc="-150" dirty="0">
+                <a:solidFill>
+                  <a:schemeClr val="bg1">
+                    <a:lumMod val="85000"/>
+                  </a:schemeClr>
+                </a:solidFill>
+              </a:rPr>
+              <a:t>ID</a:t>
+            </a:r>
+            <a:r>
+              <a:rPr lang="ko-KR" altLang="en-US" sz="2000" b="1" spc="-150" dirty="0">
+                <a:solidFill>
+                  <a:schemeClr val="bg1">
+                    <a:lumMod val="85000"/>
+                  </a:schemeClr>
+                </a:solidFill>
+              </a:rPr>
+              <a:t> </a:t>
+            </a:r>
+            <a:r>
+              <a:rPr lang="en-US" altLang="ko-KR" sz="2000" b="1" spc="-150" dirty="0">
+                <a:solidFill>
+                  <a:schemeClr val="bg1">
+                    <a:lumMod val="85000"/>
+                  </a:schemeClr>
+                </a:solidFill>
+              </a:rPr>
+              <a:t>: </a:t>
+            </a:r>
+            <a:endParaRPr lang="ko-KR" altLang="en-US" sz="2000" b="1" spc="-150" dirty="0">
+              <a:solidFill>
+                <a:schemeClr val="bg1">
+                  <a:lumMod val="85000"/>
+                </a:schemeClr>
+              </a:solidFill>
+            </a:endParaRPr>
+          </a:p>
+        </p:txBody>
+      </p:sp>
+      <p:sp>
+        <p:nvSpPr>
+          <p:cNvPr id="55" name="TextBox 54"/>
+          <p:cNvSpPr txBox="1"/>
+          <p:nvPr/>
+        </p:nvSpPr>
+        <p:spPr>
+          <a:xfrm>
+            <a:off x="3249811" y="2802418"/>
+            <a:ext cx="813927" cy="400110"/>
+          </a:xfrm>
+          <a:prstGeom prst="rect">
+            <a:avLst/>
+          </a:prstGeom>
+          <a:noFill/>
+        </p:spPr>
+        <p:txBody>
+          <a:bodyPr wrap="square" rtlCol="0">
+            <a:spAutoFit/>
+          </a:bodyPr>
+          <a:lstStyle/>
+          <a:p>
+            <a:pPr algn="r"/>
+            <a:r>
+              <a:rPr lang="ko-KR" altLang="en-US" sz="2000" b="1" spc="-150" dirty="0">
+                <a:solidFill>
+                  <a:schemeClr val="bg1">
+                    <a:lumMod val="85000"/>
+                  </a:schemeClr>
+                </a:solidFill>
+              </a:rPr>
+              <a:t> </a:t>
+            </a:r>
+            <a:r>
+              <a:rPr lang="en-US" altLang="ko-KR" sz="2000" b="1" spc="-150" dirty="0">
+                <a:solidFill>
+                  <a:schemeClr val="bg1">
+                    <a:lumMod val="85000"/>
+                  </a:schemeClr>
+                </a:solidFill>
+              </a:rPr>
+              <a:t>PW</a:t>
+            </a:r>
+            <a:r>
+              <a:rPr lang="ko-KR" altLang="en-US" sz="2000" b="1" spc="-150" dirty="0">
+                <a:solidFill>
+                  <a:schemeClr val="bg1">
+                    <a:lumMod val="85000"/>
+                  </a:schemeClr>
+                </a:solidFill>
+              </a:rPr>
+              <a:t> </a:t>
+            </a:r>
+            <a:r>
+              <a:rPr lang="en-US" altLang="ko-KR" sz="2000" b="1" spc="-150" dirty="0">
+                <a:solidFill>
+                  <a:schemeClr val="bg1">
+                    <a:lumMod val="85000"/>
+                  </a:schemeClr>
+                </a:solidFill>
+              </a:rPr>
+              <a:t>: </a:t>
+            </a:r>
+            <a:endParaRPr lang="ko-KR" altLang="en-US" sz="2000" b="1" spc="-150" dirty="0">
+              <a:solidFill>
+                <a:schemeClr val="bg1">
+                  <a:lumMod val="85000"/>
+                </a:schemeClr>
+              </a:solidFill>
+            </a:endParaRPr>
+          </a:p>
+        </p:txBody>
+      </p:sp>
+      <p:sp>
+        <p:nvSpPr>
+          <p:cNvPr id="56" name="직사각형 55"/>
+          <p:cNvSpPr/>
+          <p:nvPr/>
+        </p:nvSpPr>
+        <p:spPr>
+          <a:xfrm>
+            <a:off x="3705326" y="4546797"/>
+            <a:ext cx="1218997" cy="364336"/>
+          </a:xfrm>
+          <a:prstGeom prst="rect">
+            <a:avLst/>
+          </a:prstGeom>
+          <a:solidFill>
+            <a:schemeClr val="tx2"/>
+          </a:solidFill>
+        </p:spPr>
+        <p:style>
+          <a:lnRef idx="2">
+            <a:schemeClr val="accent1">
+              <a:shade val="50000"/>
+            </a:schemeClr>
+          </a:lnRef>
+          <a:fillRef idx="1">
+            <a:schemeClr val="accent1"/>
+          </a:fillRef>
+          <a:effectRef idx="0">
+            <a:schemeClr val="accent1"/>
+          </a:effectRef>
+          <a:fontRef idx="minor">
+            <a:schemeClr val="lt1"/>
+          </a:fontRef>
+        </p:style>
+        <p:txBody>
+          <a:bodyPr rtlCol="0" anchor="ctr"/>
+          <a:lstStyle/>
+          <a:p>
+            <a:pPr algn="ctr"/>
+            <a:r>
+              <a:rPr lang="en-US" altLang="ko-KR" sz="1200" b="1" dirty="0" err="1"/>
+              <a:t>facebook</a:t>
+            </a:r>
+            <a:r>
+              <a:rPr lang="en-US" altLang="ko-KR" sz="1200" b="1" dirty="0"/>
+              <a:t> </a:t>
+            </a:r>
+            <a:r>
+              <a:rPr lang="ko-KR" altLang="en-US" sz="1200" b="1" dirty="0"/>
+              <a:t>연동</a:t>
+            </a:r>
+          </a:p>
+        </p:txBody>
+      </p:sp>
+      <p:sp>
+        <p:nvSpPr>
+          <p:cNvPr id="57" name="직사각형 56"/>
+          <p:cNvSpPr/>
+          <p:nvPr/>
+        </p:nvSpPr>
+        <p:spPr>
+          <a:xfrm>
+            <a:off x="5150769" y="4545823"/>
+            <a:ext cx="1218997" cy="364336"/>
+          </a:xfrm>
+          <a:prstGeom prst="rect">
+            <a:avLst/>
+          </a:prstGeom>
+          <a:solidFill>
+            <a:schemeClr val="tx2"/>
+          </a:solidFill>
+        </p:spPr>
+        <p:style>
+          <a:lnRef idx="2">
+            <a:schemeClr val="accent1">
+              <a:shade val="50000"/>
+            </a:schemeClr>
+          </a:lnRef>
+          <a:fillRef idx="1">
+            <a:schemeClr val="accent1"/>
+          </a:fillRef>
+          <a:effectRef idx="0">
+            <a:schemeClr val="accent1"/>
+          </a:effectRef>
+          <a:fontRef idx="minor">
+            <a:schemeClr val="lt1"/>
+          </a:fontRef>
+        </p:style>
+        <p:txBody>
+          <a:bodyPr rtlCol="0" anchor="ctr"/>
+          <a:lstStyle/>
+          <a:p>
+            <a:pPr algn="ctr"/>
+            <a:r>
+              <a:rPr lang="ko-KR" altLang="en-US" sz="1200" b="1" dirty="0"/>
+              <a:t>수정</a:t>
+            </a:r>
+          </a:p>
+        </p:txBody>
+      </p:sp>
+      <p:sp>
+        <p:nvSpPr>
+          <p:cNvPr id="22" name="직사각형 21"/>
+          <p:cNvSpPr/>
+          <p:nvPr/>
+        </p:nvSpPr>
+        <p:spPr>
+          <a:xfrm>
+            <a:off x="10305143" y="0"/>
+            <a:ext cx="1480457" cy="571499"/>
+          </a:xfrm>
+          <a:prstGeom prst="rect">
+            <a:avLst/>
+          </a:prstGeom>
+          <a:noFill/>
+          <a:ln w="50800">
+            <a:solidFill>
+              <a:srgbClr val="FF0000"/>
+            </a:solidFill>
+          </a:ln>
+        </p:spPr>
+        <p:style>
+          <a:lnRef idx="2">
+            <a:schemeClr val="accent1">
+              <a:shade val="50000"/>
+            </a:schemeClr>
+          </a:lnRef>
+          <a:fillRef idx="1">
+            <a:schemeClr val="accent1"/>
+          </a:fillRef>
+          <a:effectRef idx="0">
+            <a:schemeClr val="accent1"/>
+          </a:effectRef>
+          <a:fontRef idx="minor">
+            <a:schemeClr val="lt1"/>
+          </a:fontRef>
+        </p:style>
+        <p:txBody>
+          <a:bodyPr rtlCol="0" anchor="ctr"/>
+          <a:lstStyle/>
+          <a:p>
+            <a:pPr algn="ctr"/>
+            <a:endParaRPr lang="ko-KR" altLang="en-US"/>
+          </a:p>
+        </p:txBody>
+      </p:sp>
+      <p:sp>
+        <p:nvSpPr>
+          <p:cNvPr id="23" name="TextBox 22"/>
+          <p:cNvSpPr txBox="1"/>
+          <p:nvPr/>
+        </p:nvSpPr>
+        <p:spPr>
+          <a:xfrm>
+            <a:off x="9524030" y="129658"/>
+            <a:ext cx="749425" cy="369332"/>
+          </a:xfrm>
+          <a:prstGeom prst="rect">
+            <a:avLst/>
+          </a:prstGeom>
+          <a:noFill/>
+        </p:spPr>
+        <p:txBody>
+          <a:bodyPr wrap="square" rtlCol="0">
+            <a:spAutoFit/>
+          </a:bodyPr>
+          <a:lstStyle/>
+          <a:p>
+            <a:r>
+              <a:rPr lang="en-US" altLang="ko-KR" dirty="0">
+                <a:solidFill>
+                  <a:schemeClr val="bg1"/>
+                </a:solidFill>
+              </a:rPr>
+              <a:t>Click!</a:t>
+            </a:r>
+            <a:endParaRPr lang="ko-KR" altLang="en-US" dirty="0">
+              <a:solidFill>
+                <a:schemeClr val="bg1"/>
+              </a:solidFill>
+            </a:endParaRPr>
+          </a:p>
+        </p:txBody>
+      </p:sp>
+      <p:sp>
+        <p:nvSpPr>
+          <p:cNvPr id="24" name="직사각형 23"/>
+          <p:cNvSpPr/>
+          <p:nvPr/>
+        </p:nvSpPr>
+        <p:spPr>
+          <a:xfrm>
+            <a:off x="9671539" y="571499"/>
+            <a:ext cx="2114062" cy="553998"/>
+          </a:xfrm>
+          <a:prstGeom prst="rect">
+            <a:avLst/>
+          </a:prstGeom>
+          <a:solidFill>
+            <a:schemeClr val="bg1">
+              <a:lumMod val="75000"/>
+            </a:schemeClr>
+          </a:solidFill>
+        </p:spPr>
+        <p:style>
+          <a:lnRef idx="2">
+            <a:schemeClr val="accent1">
+              <a:shade val="50000"/>
+            </a:schemeClr>
+          </a:lnRef>
+          <a:fillRef idx="1">
+            <a:schemeClr val="accent1"/>
+          </a:fillRef>
+          <a:effectRef idx="0">
+            <a:schemeClr val="accent1"/>
+          </a:effectRef>
+          <a:fontRef idx="minor">
+            <a:schemeClr val="lt1"/>
+          </a:fontRef>
+        </p:style>
+        <p:txBody>
+          <a:bodyPr rtlCol="0" anchor="ctr"/>
+          <a:lstStyle/>
+          <a:p>
+            <a:pPr algn="ctr"/>
+            <a:r>
+              <a:rPr lang="ko-KR" altLang="en-US" dirty="0"/>
+              <a:t>내가 평가한 게임</a:t>
+            </a:r>
+          </a:p>
+        </p:txBody>
+      </p:sp>
+      <p:sp>
+        <p:nvSpPr>
+          <p:cNvPr id="25" name="직사각형 24"/>
+          <p:cNvSpPr/>
+          <p:nvPr/>
+        </p:nvSpPr>
+        <p:spPr>
+          <a:xfrm>
+            <a:off x="9671539" y="1125497"/>
+            <a:ext cx="2106971" cy="553998"/>
+          </a:xfrm>
+          <a:prstGeom prst="rect">
+            <a:avLst/>
+          </a:prstGeom>
+          <a:solidFill>
+            <a:schemeClr val="accent1">
+              <a:lumMod val="75000"/>
+            </a:schemeClr>
+          </a:solidFill>
+        </p:spPr>
+        <p:style>
+          <a:lnRef idx="2">
+            <a:schemeClr val="accent1">
+              <a:shade val="50000"/>
+            </a:schemeClr>
+          </a:lnRef>
+          <a:fillRef idx="1">
+            <a:schemeClr val="accent1"/>
+          </a:fillRef>
+          <a:effectRef idx="0">
+            <a:schemeClr val="accent1"/>
+          </a:effectRef>
+          <a:fontRef idx="minor">
+            <a:schemeClr val="lt1"/>
+          </a:fontRef>
+        </p:style>
+        <p:txBody>
+          <a:bodyPr rtlCol="0" anchor="ctr"/>
+          <a:lstStyle/>
+          <a:p>
+            <a:pPr algn="ctr"/>
+            <a:r>
+              <a:rPr lang="ko-KR" altLang="en-US" b="1" dirty="0"/>
+              <a:t>회원정보 수정</a:t>
+            </a:r>
+          </a:p>
+        </p:txBody>
+      </p:sp>
+    </p:spTree>
+    <p:extLst>
+      <p:ext uri="{BB962C8B-B14F-4D97-AF65-F5344CB8AC3E}">
+        <p14:creationId xmlns:p14="http://schemas.microsoft.com/office/powerpoint/2010/main" val="2301871505"/>
+      </p:ext>
+    </p:extLst>
+  </p:cSld>
+  <p:clrMapOvr>
+    <a:masterClrMapping/>
+  </p:clrMapOvr>
+</p:sld>
+</file>
+
+<file path=ppt/slides/slide9.xml><?xml version="1.0" encoding="utf-8"?>
+<p:sld xmlns:a="http://schemas.openxmlformats.org/drawingml/2006/main" xmlns:r="http://schemas.openxmlformats.org/officeDocument/2006/relationships" xmlns:p="http://schemas.openxmlformats.org/presentationml/2006/main">
+  <p:cSld>
+    <p:spTree>
+      <p:nvGrpSpPr>
+        <p:cNvPr id="1" name=""/>
+        <p:cNvGrpSpPr/>
+        <p:nvPr/>
+      </p:nvGrpSpPr>
+      <p:grpSpPr>
+        <a:xfrm>
+          <a:off x="0" y="0"/>
+          <a:ext cx="0" cy="0"/>
+          <a:chOff x="0" y="0"/>
+          <a:chExt cx="0" cy="0"/>
+        </a:xfrm>
+      </p:grpSpPr>
+      <p:sp>
+        <p:nvSpPr>
+          <p:cNvPr id="13" name="직사각형 12"/>
+          <p:cNvSpPr/>
+          <p:nvPr/>
+        </p:nvSpPr>
+        <p:spPr>
+          <a:xfrm>
+            <a:off x="0" y="-20981"/>
+            <a:ext cx="12192000" cy="6858000"/>
+          </a:xfrm>
+          <a:prstGeom prst="rect">
+            <a:avLst/>
+          </a:prstGeom>
+          <a:solidFill>
+            <a:srgbClr val="182D42"/>
+          </a:solidFill>
+          <a:ln>
+            <a:noFill/>
+          </a:ln>
+        </p:spPr>
+        <p:style>
+          <a:lnRef idx="2">
+            <a:schemeClr val="accent1">
+              <a:shade val="50000"/>
+            </a:schemeClr>
+          </a:lnRef>
+          <a:fillRef idx="1">
+            <a:schemeClr val="accent1"/>
+          </a:fillRef>
+          <a:effectRef idx="0">
+            <a:schemeClr val="accent1"/>
+          </a:effectRef>
+          <a:fontRef idx="minor">
+            <a:schemeClr val="lt1"/>
+          </a:fontRef>
+        </p:style>
+        <p:txBody>
+          <a:bodyPr rtlCol="0" anchor="ctr"/>
+          <a:lstStyle/>
+          <a:p>
+            <a:pPr algn="ctr"/>
+            <a:endParaRPr lang="ko-KR" altLang="en-US"/>
+          </a:p>
+        </p:txBody>
+      </p:sp>
+      <p:sp>
+        <p:nvSpPr>
+          <p:cNvPr id="2" name="직사각형 1"/>
+          <p:cNvSpPr/>
+          <p:nvPr/>
+        </p:nvSpPr>
+        <p:spPr>
+          <a:xfrm>
+            <a:off x="2324677" y="512206"/>
+            <a:ext cx="5757439" cy="6324813"/>
+          </a:xfrm>
+          <a:prstGeom prst="rect">
+            <a:avLst/>
+          </a:prstGeom>
+          <a:solidFill>
+            <a:srgbClr val="132536"/>
+          </a:solidFill>
+          <a:ln>
+            <a:noFill/>
+          </a:ln>
+        </p:spPr>
+        <p:style>
+          <a:lnRef idx="2">
+            <a:schemeClr val="accent1">
+              <a:shade val="50000"/>
+            </a:schemeClr>
+          </a:lnRef>
+          <a:fillRef idx="1">
+            <a:schemeClr val="accent1"/>
+          </a:fillRef>
+          <a:effectRef idx="0">
+            <a:schemeClr val="accent1"/>
+          </a:effectRef>
+          <a:fontRef idx="minor">
+            <a:schemeClr val="lt1"/>
+          </a:fontRef>
+        </p:style>
+        <p:txBody>
+          <a:bodyPr rtlCol="0" anchor="ctr"/>
+          <a:lstStyle/>
+          <a:p>
+            <a:pPr algn="ctr"/>
+            <a:endParaRPr lang="ko-KR" altLang="en-US"/>
+          </a:p>
+        </p:txBody>
+      </p:sp>
+      <p:sp>
+        <p:nvSpPr>
+          <p:cNvPr id="6" name="직사각형 5"/>
+          <p:cNvSpPr/>
+          <p:nvPr/>
+        </p:nvSpPr>
+        <p:spPr>
+          <a:xfrm>
+            <a:off x="0" y="0"/>
+            <a:ext cx="12192000" cy="571499"/>
+          </a:xfrm>
+          <a:prstGeom prst="rect">
+            <a:avLst/>
+          </a:prstGeom>
+          <a:solidFill>
+            <a:srgbClr val="171A21"/>
+          </a:solidFill>
+          <a:ln>
+            <a:noFill/>
+          </a:ln>
+        </p:spPr>
+        <p:style>
+          <a:lnRef idx="2">
+            <a:schemeClr val="accent1">
+              <a:shade val="50000"/>
+            </a:schemeClr>
+          </a:lnRef>
+          <a:fillRef idx="1">
+            <a:schemeClr val="accent1"/>
+          </a:fillRef>
+          <a:effectRef idx="0">
+            <a:schemeClr val="accent1"/>
+          </a:effectRef>
+          <a:fontRef idx="minor">
+            <a:schemeClr val="lt1"/>
+          </a:fontRef>
+        </p:style>
+        <p:txBody>
+          <a:bodyPr rtlCol="0" anchor="ctr"/>
+          <a:lstStyle/>
+          <a:p>
+            <a:pPr algn="ctr"/>
+            <a:endParaRPr lang="ko-KR" altLang="en-US"/>
+          </a:p>
+        </p:txBody>
+      </p:sp>
+      <p:sp>
+        <p:nvSpPr>
+          <p:cNvPr id="7" name="TextBox 6"/>
+          <p:cNvSpPr txBox="1"/>
+          <p:nvPr/>
+        </p:nvSpPr>
+        <p:spPr>
+          <a:xfrm>
+            <a:off x="95250" y="71437"/>
+            <a:ext cx="4219575" cy="369332"/>
+          </a:xfrm>
+          <a:prstGeom prst="rect">
+            <a:avLst/>
+          </a:prstGeom>
+          <a:noFill/>
+        </p:spPr>
+        <p:txBody>
+          <a:bodyPr wrap="square" rtlCol="0">
+            <a:spAutoFit/>
+          </a:bodyPr>
+          <a:lstStyle/>
+          <a:p>
+            <a:r>
+              <a:rPr lang="en-US" altLang="ko-KR" dirty="0" err="1">
+                <a:solidFill>
+                  <a:schemeClr val="bg1">
+                    <a:lumMod val="85000"/>
+                  </a:schemeClr>
+                </a:solidFill>
+              </a:rPr>
+              <a:t>SourGrape</a:t>
+            </a:r>
+            <a:endParaRPr lang="ko-KR" altLang="en-US" dirty="0">
+              <a:solidFill>
+                <a:schemeClr val="bg1">
+                  <a:lumMod val="85000"/>
+                </a:schemeClr>
+              </a:solidFill>
+            </a:endParaRPr>
+          </a:p>
+        </p:txBody>
+      </p:sp>
+      <p:sp>
+        <p:nvSpPr>
+          <p:cNvPr id="8" name="타원 7"/>
+          <p:cNvSpPr/>
+          <p:nvPr/>
+        </p:nvSpPr>
+        <p:spPr>
+          <a:xfrm>
+            <a:off x="10496550" y="101083"/>
+            <a:ext cx="369332" cy="369332"/>
+          </a:xfrm>
+          <a:prstGeom prst="ellipse">
+            <a:avLst/>
+          </a:prstGeom>
+          <a:solidFill>
+            <a:srgbClr val="FF0000"/>
+          </a:solidFill>
+          <a:ln>
+            <a:solidFill>
+              <a:schemeClr val="tx1"/>
+            </a:solidFill>
+          </a:ln>
+        </p:spPr>
+        <p:style>
+          <a:lnRef idx="2">
+            <a:schemeClr val="accent1">
+              <a:shade val="50000"/>
+            </a:schemeClr>
+          </a:lnRef>
+          <a:fillRef idx="1">
+            <a:schemeClr val="accent1"/>
+          </a:fillRef>
+          <a:effectRef idx="0">
+            <a:schemeClr val="accent1"/>
+          </a:effectRef>
+          <a:fontRef idx="minor">
+            <a:schemeClr val="lt1"/>
+          </a:fontRef>
+        </p:style>
+        <p:txBody>
+          <a:bodyPr rtlCol="0" anchor="ctr"/>
+          <a:lstStyle/>
+          <a:p>
+            <a:pPr algn="ctr"/>
+            <a:endParaRPr lang="ko-KR" altLang="en-US"/>
+          </a:p>
+        </p:txBody>
+      </p:sp>
+      <p:sp>
+        <p:nvSpPr>
+          <p:cNvPr id="9" name="TextBox 8"/>
+          <p:cNvSpPr txBox="1"/>
+          <p:nvPr/>
+        </p:nvSpPr>
+        <p:spPr>
+          <a:xfrm>
+            <a:off x="10951607" y="129658"/>
+            <a:ext cx="1107043" cy="292388"/>
+          </a:xfrm>
+          <a:prstGeom prst="rect">
+            <a:avLst/>
+          </a:prstGeom>
+          <a:noFill/>
+        </p:spPr>
+        <p:txBody>
+          <a:bodyPr wrap="square" rtlCol="0">
+            <a:spAutoFit/>
+          </a:bodyPr>
+          <a:lstStyle/>
+          <a:p>
+            <a:r>
+              <a:rPr lang="en-US" altLang="ko-KR" sz="1300" dirty="0">
+                <a:solidFill>
+                  <a:schemeClr val="bg1">
+                    <a:lumMod val="85000"/>
+                  </a:schemeClr>
+                </a:solidFill>
+              </a:rPr>
+              <a:t>Guest</a:t>
+            </a:r>
+            <a:endParaRPr lang="ko-KR" altLang="en-US" sz="1300" dirty="0">
+              <a:solidFill>
+                <a:schemeClr val="bg1">
+                  <a:lumMod val="85000"/>
+                </a:schemeClr>
+              </a:solidFill>
+            </a:endParaRPr>
+          </a:p>
+        </p:txBody>
+      </p:sp>
+      <p:sp>
+        <p:nvSpPr>
+          <p:cNvPr id="54" name="TextBox 53"/>
+          <p:cNvSpPr txBox="1"/>
+          <p:nvPr/>
+        </p:nvSpPr>
+        <p:spPr>
+          <a:xfrm>
+            <a:off x="2371725" y="571499"/>
+            <a:ext cx="7696199" cy="553998"/>
+          </a:xfrm>
+          <a:prstGeom prst="rect">
+            <a:avLst/>
+          </a:prstGeom>
+          <a:noFill/>
+        </p:spPr>
+        <p:txBody>
+          <a:bodyPr wrap="square" rtlCol="0">
+            <a:spAutoFit/>
+          </a:bodyPr>
+          <a:lstStyle/>
+          <a:p>
+            <a:r>
+              <a:rPr lang="ko-KR" altLang="en-US" sz="3000" b="1" spc="-150" dirty="0">
+                <a:solidFill>
+                  <a:schemeClr val="bg1">
+                    <a:lumMod val="85000"/>
+                  </a:schemeClr>
+                </a:solidFill>
+              </a:rPr>
+              <a:t>로그인</a:t>
+            </a:r>
+          </a:p>
+        </p:txBody>
+      </p:sp>
+      <p:sp>
+        <p:nvSpPr>
+          <p:cNvPr id="21" name="직사각형 20"/>
+          <p:cNvSpPr/>
+          <p:nvPr/>
+        </p:nvSpPr>
+        <p:spPr>
+          <a:xfrm>
+            <a:off x="2371725" y="1145667"/>
+            <a:ext cx="5277426" cy="99753"/>
+          </a:xfrm>
+          <a:prstGeom prst="rect">
+            <a:avLst/>
+          </a:prstGeom>
+          <a:solidFill>
+            <a:schemeClr val="accent1"/>
+          </a:solidFill>
+          <a:ln>
+            <a:noFill/>
+          </a:ln>
+        </p:spPr>
+        <p:style>
+          <a:lnRef idx="2">
+            <a:schemeClr val="accent1">
+              <a:shade val="50000"/>
+            </a:schemeClr>
+          </a:lnRef>
+          <a:fillRef idx="1">
+            <a:schemeClr val="accent1"/>
+          </a:fillRef>
+          <a:effectRef idx="0">
+            <a:schemeClr val="accent1"/>
+          </a:effectRef>
+          <a:fontRef idx="minor">
+            <a:schemeClr val="lt1"/>
+          </a:fontRef>
+        </p:style>
+        <p:txBody>
+          <a:bodyPr rtlCol="0" anchor="ctr"/>
+          <a:lstStyle/>
+          <a:p>
+            <a:pPr algn="ctr"/>
+            <a:endParaRPr lang="ko-KR" altLang="en-US"/>
+          </a:p>
+        </p:txBody>
+      </p:sp>
+      <p:sp>
+        <p:nvSpPr>
+          <p:cNvPr id="47" name="직사각형 46"/>
+          <p:cNvSpPr/>
+          <p:nvPr/>
+        </p:nvSpPr>
+        <p:spPr>
+          <a:xfrm>
+            <a:off x="4110786" y="2317551"/>
+            <a:ext cx="1799304" cy="400110"/>
+          </a:xfrm>
+          <a:prstGeom prst="rect">
+            <a:avLst/>
+          </a:prstGeom>
+          <a:solidFill>
+            <a:schemeClr val="bg1">
+              <a:lumMod val="95000"/>
+            </a:schemeClr>
+          </a:solidFill>
+          <a:effectLst>
+            <a:innerShdw blurRad="127000">
+              <a:prstClr val="black"/>
+            </a:innerShdw>
+          </a:effectLst>
+        </p:spPr>
+        <p:style>
+          <a:lnRef idx="2">
+            <a:schemeClr val="accent1">
+              <a:shade val="50000"/>
+            </a:schemeClr>
+          </a:lnRef>
+          <a:fillRef idx="1">
+            <a:schemeClr val="accent1"/>
+          </a:fillRef>
+          <a:effectRef idx="0">
+            <a:schemeClr val="accent1"/>
+          </a:effectRef>
+          <a:fontRef idx="minor">
+            <a:schemeClr val="lt1"/>
+          </a:fontRef>
+        </p:style>
+        <p:txBody>
+          <a:bodyPr rtlCol="0" anchor="ctr"/>
+          <a:lstStyle/>
+          <a:p>
+            <a:pPr algn="ctr"/>
+            <a:endParaRPr lang="ko-KR" altLang="en-US"/>
+          </a:p>
+        </p:txBody>
+      </p:sp>
+      <p:sp>
+        <p:nvSpPr>
+          <p:cNvPr id="48" name="직사각형 47"/>
+          <p:cNvSpPr/>
+          <p:nvPr/>
+        </p:nvSpPr>
+        <p:spPr>
+          <a:xfrm>
+            <a:off x="4110786" y="2836458"/>
+            <a:ext cx="1799304" cy="400110"/>
+          </a:xfrm>
+          <a:prstGeom prst="rect">
+            <a:avLst/>
+          </a:prstGeom>
+          <a:solidFill>
+            <a:schemeClr val="bg1">
+              <a:lumMod val="95000"/>
+            </a:schemeClr>
+          </a:solidFill>
+          <a:effectLst>
+            <a:innerShdw blurRad="127000">
+              <a:prstClr val="black"/>
+            </a:innerShdw>
+          </a:effectLst>
+        </p:spPr>
+        <p:style>
+          <a:lnRef idx="2">
+            <a:schemeClr val="accent1">
+              <a:shade val="50000"/>
+            </a:schemeClr>
+          </a:lnRef>
+          <a:fillRef idx="1">
+            <a:schemeClr val="accent1"/>
+          </a:fillRef>
+          <a:effectRef idx="0">
+            <a:schemeClr val="accent1"/>
+          </a:effectRef>
+          <a:fontRef idx="minor">
+            <a:schemeClr val="lt1"/>
+          </a:fontRef>
+        </p:style>
+        <p:txBody>
+          <a:bodyPr rtlCol="0" anchor="ctr"/>
+          <a:lstStyle/>
+          <a:p>
+            <a:pPr algn="ctr"/>
+            <a:endParaRPr lang="ko-KR" altLang="en-US"/>
+          </a:p>
+        </p:txBody>
+      </p:sp>
+      <p:sp>
+        <p:nvSpPr>
+          <p:cNvPr id="4" name="직사각형 3"/>
+          <p:cNvSpPr/>
+          <p:nvPr/>
+        </p:nvSpPr>
+        <p:spPr>
+          <a:xfrm>
+            <a:off x="5965244" y="2334768"/>
+            <a:ext cx="948466" cy="901799"/>
+          </a:xfrm>
+          <a:prstGeom prst="rect">
+            <a:avLst/>
+          </a:prstGeom>
+          <a:solidFill>
+            <a:schemeClr val="tx2"/>
+          </a:solidFill>
+        </p:spPr>
+        <p:style>
+          <a:lnRef idx="2">
+            <a:schemeClr val="accent1">
+              <a:shade val="50000"/>
+            </a:schemeClr>
+          </a:lnRef>
+          <a:fillRef idx="1">
+            <a:schemeClr val="accent1"/>
+          </a:fillRef>
+          <a:effectRef idx="0">
+            <a:schemeClr val="accent1"/>
+          </a:effectRef>
+          <a:fontRef idx="minor">
+            <a:schemeClr val="lt1"/>
+          </a:fontRef>
+        </p:style>
+        <p:txBody>
+          <a:bodyPr rtlCol="0" anchor="ctr"/>
+          <a:lstStyle/>
+          <a:p>
+            <a:pPr algn="ctr"/>
+            <a:r>
+              <a:rPr lang="ko-KR" altLang="en-US" sz="1200" b="1" dirty="0"/>
+              <a:t>로그인</a:t>
+            </a:r>
+          </a:p>
+        </p:txBody>
+      </p:sp>
+      <p:sp>
+        <p:nvSpPr>
+          <p:cNvPr id="53" name="TextBox 52"/>
+          <p:cNvSpPr txBox="1"/>
+          <p:nvPr/>
+        </p:nvSpPr>
+        <p:spPr>
+          <a:xfrm>
+            <a:off x="3506946" y="2334768"/>
+            <a:ext cx="666618" cy="400110"/>
+          </a:xfrm>
+          <a:prstGeom prst="rect">
+            <a:avLst/>
+          </a:prstGeom>
+          <a:noFill/>
+        </p:spPr>
+        <p:txBody>
+          <a:bodyPr wrap="square" rtlCol="0">
+            <a:spAutoFit/>
+          </a:bodyPr>
+          <a:lstStyle/>
+          <a:p>
+            <a:r>
+              <a:rPr lang="ko-KR" altLang="en-US" sz="2000" b="1" spc="-150" dirty="0">
+                <a:solidFill>
+                  <a:schemeClr val="bg1">
+                    <a:lumMod val="85000"/>
+                  </a:schemeClr>
+                </a:solidFill>
+              </a:rPr>
+              <a:t> </a:t>
+            </a:r>
+            <a:r>
+              <a:rPr lang="en-US" altLang="ko-KR" sz="2000" b="1" spc="-150" dirty="0">
+                <a:solidFill>
+                  <a:schemeClr val="bg1">
+                    <a:lumMod val="85000"/>
+                  </a:schemeClr>
+                </a:solidFill>
+              </a:rPr>
+              <a:t>ID</a:t>
+            </a:r>
+            <a:r>
+              <a:rPr lang="ko-KR" altLang="en-US" sz="2000" b="1" spc="-150" dirty="0">
+                <a:solidFill>
+                  <a:schemeClr val="bg1">
+                    <a:lumMod val="85000"/>
+                  </a:schemeClr>
+                </a:solidFill>
+              </a:rPr>
+              <a:t> </a:t>
+            </a:r>
+            <a:r>
+              <a:rPr lang="en-US" altLang="ko-KR" sz="2000" b="1" spc="-150" dirty="0">
+                <a:solidFill>
+                  <a:schemeClr val="bg1">
+                    <a:lumMod val="85000"/>
+                  </a:schemeClr>
+                </a:solidFill>
+              </a:rPr>
+              <a:t>: </a:t>
+            </a:r>
+            <a:endParaRPr lang="ko-KR" altLang="en-US" sz="2000" b="1" spc="-150" dirty="0">
+              <a:solidFill>
+                <a:schemeClr val="bg1">
+                  <a:lumMod val="85000"/>
+                </a:schemeClr>
+              </a:solidFill>
+            </a:endParaRPr>
+          </a:p>
+        </p:txBody>
+      </p:sp>
+      <p:sp>
+        <p:nvSpPr>
+          <p:cNvPr id="55" name="TextBox 54"/>
+          <p:cNvSpPr txBox="1"/>
+          <p:nvPr/>
+        </p:nvSpPr>
+        <p:spPr>
+          <a:xfrm>
+            <a:off x="3249811" y="2802418"/>
+            <a:ext cx="813927" cy="400110"/>
+          </a:xfrm>
+          <a:prstGeom prst="rect">
+            <a:avLst/>
+          </a:prstGeom>
+          <a:noFill/>
+        </p:spPr>
+        <p:txBody>
+          <a:bodyPr wrap="square" rtlCol="0">
+            <a:spAutoFit/>
+          </a:bodyPr>
+          <a:lstStyle/>
+          <a:p>
+            <a:pPr algn="r"/>
+            <a:r>
+              <a:rPr lang="ko-KR" altLang="en-US" sz="2000" b="1" spc="-150" dirty="0">
+                <a:solidFill>
+                  <a:schemeClr val="bg1">
+                    <a:lumMod val="85000"/>
+                  </a:schemeClr>
+                </a:solidFill>
+              </a:rPr>
+              <a:t> </a:t>
+            </a:r>
+            <a:r>
+              <a:rPr lang="en-US" altLang="ko-KR" sz="2000" b="1" spc="-150" dirty="0">
+                <a:solidFill>
+                  <a:schemeClr val="bg1">
+                    <a:lumMod val="85000"/>
+                  </a:schemeClr>
+                </a:solidFill>
+              </a:rPr>
+              <a:t>PW</a:t>
+            </a:r>
+            <a:r>
+              <a:rPr lang="ko-KR" altLang="en-US" sz="2000" b="1" spc="-150" dirty="0">
+                <a:solidFill>
+                  <a:schemeClr val="bg1">
+                    <a:lumMod val="85000"/>
+                  </a:schemeClr>
+                </a:solidFill>
+              </a:rPr>
+              <a:t> </a:t>
+            </a:r>
+            <a:r>
+              <a:rPr lang="en-US" altLang="ko-KR" sz="2000" b="1" spc="-150" dirty="0">
+                <a:solidFill>
+                  <a:schemeClr val="bg1">
+                    <a:lumMod val="85000"/>
+                  </a:schemeClr>
+                </a:solidFill>
+              </a:rPr>
+              <a:t>: </a:t>
+            </a:r>
+            <a:endParaRPr lang="ko-KR" altLang="en-US" sz="2000" b="1" spc="-150" dirty="0">
+              <a:solidFill>
+                <a:schemeClr val="bg1">
+                  <a:lumMod val="85000"/>
+                </a:schemeClr>
+              </a:solidFill>
+            </a:endParaRPr>
+          </a:p>
+        </p:txBody>
+      </p:sp>
+      <p:sp>
+        <p:nvSpPr>
+          <p:cNvPr id="57" name="직사각형 56"/>
+          <p:cNvSpPr/>
+          <p:nvPr/>
+        </p:nvSpPr>
+        <p:spPr>
+          <a:xfrm>
+            <a:off x="4110786" y="3434754"/>
+            <a:ext cx="1799304" cy="364336"/>
+          </a:xfrm>
+          <a:prstGeom prst="rect">
+            <a:avLst/>
+          </a:prstGeom>
+          <a:solidFill>
+            <a:schemeClr val="tx2"/>
+          </a:solidFill>
+        </p:spPr>
+        <p:style>
+          <a:lnRef idx="2">
+            <a:schemeClr val="accent1">
+              <a:shade val="50000"/>
+            </a:schemeClr>
+          </a:lnRef>
+          <a:fillRef idx="1">
+            <a:schemeClr val="accent1"/>
+          </a:fillRef>
+          <a:effectRef idx="0">
+            <a:schemeClr val="accent1"/>
+          </a:effectRef>
+          <a:fontRef idx="minor">
+            <a:schemeClr val="lt1"/>
+          </a:fontRef>
+        </p:style>
+        <p:txBody>
+          <a:bodyPr rtlCol="0" anchor="ctr"/>
+          <a:lstStyle/>
+          <a:p>
+            <a:pPr algn="ctr"/>
+            <a:r>
+              <a:rPr lang="ko-KR" altLang="en-US" sz="1200" b="1" dirty="0"/>
+              <a:t>회원 가입</a:t>
+            </a:r>
+          </a:p>
+        </p:txBody>
+      </p:sp>
+    </p:spTree>
+    <p:extLst>
+      <p:ext uri="{BB962C8B-B14F-4D97-AF65-F5344CB8AC3E}">
+        <p14:creationId xmlns:p14="http://schemas.microsoft.com/office/powerpoint/2010/main" val="4010725795"/>
       </p:ext>
     </p:extLst>
   </p:cSld>
